--- a/Week 7 presentation template.pptx
+++ b/Week 7 presentation template.pptx
@@ -361,7 +361,7 @@
           <a:p>
             <a:fld id="{9184DA70-C731-4C70-880D-CCD4705E623C}" type="datetime1">
               <a:rPr lang="en-US" smtClean="0"/>
-              <a:t>11/23/2021</a:t>
+              <a:t>11/27/2021</a:t>
             </a:fld>
             <a:endParaRPr lang="en-US" dirty="0"/>
           </a:p>
@@ -549,7 +549,7 @@
           <a:p>
             <a:fld id="{4BE1D723-8F53-4F53-90B0-1982A396982E}" type="datetime1">
               <a:rPr lang="en-US" smtClean="0"/>
-              <a:t>11/23/2021</a:t>
+              <a:t>11/27/2021</a:t>
             </a:fld>
             <a:endParaRPr lang="en-US" dirty="0"/>
           </a:p>
@@ -922,7 +922,7 @@
           <a:p>
             <a:fld id="{97669AF7-7BEB-44E4-9852-375E34362B5B}" type="datetime1">
               <a:rPr lang="en-US" smtClean="0"/>
-              <a:t>11/23/2021</a:t>
+              <a:t>11/27/2021</a:t>
             </a:fld>
             <a:endParaRPr lang="en-US" dirty="0"/>
           </a:p>
@@ -1177,7 +1177,7 @@
           <a:p>
             <a:fld id="{BAAAC38D-0552-4C82-B593-E6124DFADBE2}" type="datetime1">
               <a:rPr lang="en-US" smtClean="0"/>
-              <a:t>11/23/2021</a:t>
+              <a:t>11/27/2021</a:t>
             </a:fld>
             <a:endParaRPr lang="en-US" dirty="0"/>
           </a:p>
@@ -1574,7 +1574,7 @@
           <a:p>
             <a:fld id="{D9DF0F1C-5577-4ACB-BB62-DF8F3C494C7E}" type="datetime1">
               <a:rPr lang="en-US" smtClean="0"/>
-              <a:t>11/23/2021</a:t>
+              <a:t>11/27/2021</a:t>
             </a:fld>
             <a:endParaRPr lang="en-US" dirty="0"/>
           </a:p>
@@ -1710,7 +1710,7 @@
           <a:p>
             <a:fld id="{1775B394-D9F9-4F0C-B15D-605F45CB9E9F}" type="datetime1">
               <a:rPr lang="en-US" smtClean="0"/>
-              <a:t>11/23/2021</a:t>
+              <a:t>11/27/2021</a:t>
             </a:fld>
             <a:endParaRPr lang="en-US" dirty="0"/>
           </a:p>
@@ -1867,7 +1867,7 @@
           <a:p>
             <a:fld id="{39667345-2558-425A-8533-9BFDBCE15005}" type="datetime1">
               <a:rPr lang="en-US" smtClean="0"/>
-              <a:t>11/23/2021</a:t>
+              <a:t>11/27/2021</a:t>
             </a:fld>
             <a:endParaRPr lang="en-US" dirty="0"/>
           </a:p>
@@ -2196,7 +2196,7 @@
           <a:p>
             <a:fld id="{92BEA474-078D-4E9B-9B14-09A87B19DC46}" type="datetime1">
               <a:rPr lang="en-US" smtClean="0"/>
-              <a:t>11/23/2021</a:t>
+              <a:t>11/27/2021</a:t>
             </a:fld>
             <a:endParaRPr lang="en-US" dirty="0"/>
           </a:p>
@@ -2546,7 +2546,7 @@
           <a:p>
             <a:fld id="{4907D986-8816-4272-A432-0437A28A9828}" type="datetime1">
               <a:rPr lang="en-US" smtClean="0"/>
-              <a:t>11/23/2021</a:t>
+              <a:t>11/27/2021</a:t>
             </a:fld>
             <a:endParaRPr lang="en-US" dirty="0"/>
           </a:p>
@@ -2807,7 +2807,7 @@
           <a:p>
             <a:fld id="{62D6E202-B606-4609-B914-27C9371A1F6D}" type="datetime1">
               <a:rPr lang="en-US" smtClean="0"/>
-              <a:t>11/23/2021</a:t>
+              <a:t>11/27/2021</a:t>
             </a:fld>
             <a:endParaRPr lang="en-US" dirty="0"/>
           </a:p>
@@ -3455,7 +3455,7 @@
         </p:blipFill>
         <p:spPr>
           <a:xfrm>
-            <a:off x="20" y="975"/>
+            <a:off x="20" y="-53269"/>
             <a:ext cx="12191980" cy="6858000"/>
           </a:xfrm>
           <a:prstGeom prst="rect">
@@ -3586,20 +3586,12 @@
           <a:lstStyle/>
           <a:p>
             <a:r>
-              <a:rPr lang="he-IL" sz="4400" dirty="0" err="1">
-                <a:solidFill>
-                  <a:schemeClr val="tx1"/>
-                </a:solidFill>
-              </a:rPr>
-              <a:t>פרוייקט</a:t>
-            </a:r>
-            <a:r>
               <a:rPr lang="he-IL" sz="4400" dirty="0">
                 <a:solidFill>
                   <a:schemeClr val="tx1"/>
                 </a:solidFill>
               </a:rPr>
-              <a:t> כפפה</a:t>
+              <a:t>פרויקט כפפה</a:t>
             </a:r>
             <a:endParaRPr lang="en-US" sz="4400" dirty="0">
               <a:solidFill>
@@ -3633,7 +3625,7 @@
         </p:spPr>
         <p:txBody>
           <a:bodyPr anchor="t">
-            <a:normAutofit fontScale="85000" lnSpcReduction="10000"/>
+            <a:normAutofit fontScale="77500" lnSpcReduction="20000"/>
           </a:bodyPr>
           <a:lstStyle/>
           <a:p>
@@ -3644,15 +3636,7 @@
             </a:pPr>
             <a:r>
               <a:rPr lang="he-IL" sz="1600" dirty="0"/>
-              <a:t>אביתר בורשטיין ת.ז. </a:t>
-            </a:r>
-            <a:r>
-              <a:rPr lang="he-IL" sz="1600" dirty="0">
-                <a:solidFill>
-                  <a:srgbClr val="FF0000"/>
-                </a:solidFill>
-              </a:rPr>
-              <a:t>02121212</a:t>
+              <a:t>אביתר בורשטיין ת.ז. 308317361</a:t>
             </a:r>
           </a:p>
           <a:p>

--- a/Week 7 presentation template.pptx
+++ b/Week 7 presentation template.pptx
@@ -3815,7 +3815,7 @@
             <p:ph idx="1"/>
             <p:extLst>
               <p:ext uri="{D42A27DB-BD31-4B8C-83A1-F6EECF244321}">
-                <p14:modId xmlns:p14="http://schemas.microsoft.com/office/powerpoint/2010/main" val="3830049426"/>
+                <p14:modId xmlns:p14="http://schemas.microsoft.com/office/powerpoint/2010/main" val="2748086921"/>
               </p:ext>
             </p:extLst>
           </p:nvPr>
@@ -3832,14 +3832,14 @@
                 <a:tableStyleId>{3B4B98B0-60AC-42C2-AFA5-B58CD77FA1E5}</a:tableStyleId>
               </a:tblPr>
               <a:tblGrid>
-                <a:gridCol w="2551176">
+                <a:gridCol w="2337144">
                   <a:extLst>
                     <a:ext uri="{9D8B030D-6E8A-4147-A177-3AD203B41FA5}">
                       <a16:colId xmlns:a16="http://schemas.microsoft.com/office/drawing/2014/main" val="2981917977"/>
                     </a:ext>
                   </a:extLst>
                 </a:gridCol>
-                <a:gridCol w="2551176">
+                <a:gridCol w="2765208">
                   <a:extLst>
                     <a:ext uri="{9D8B030D-6E8A-4147-A177-3AD203B41FA5}">
                       <a16:colId xmlns:a16="http://schemas.microsoft.com/office/drawing/2014/main" val="945233394"/>
@@ -4202,7 +4202,7 @@
                           <a:latin typeface="Calibri" panose="020F0502020204030204" pitchFamily="34" charset="0"/>
                           <a:cs typeface="Calibri" panose="020F0502020204030204" pitchFamily="34" charset="0"/>
                         </a:rPr>
-                        <a:t>0.65</a:t>
+                        <a:t>0.63</a:t>
                       </a:r>
                       <a:endParaRPr lang="en-US" sz="1600" b="0" cap="none" spc="0" dirty="0">
                         <a:solidFill>
@@ -4336,7 +4336,7 @@
                           <a:latin typeface="Calibri" panose="020F0502020204030204" pitchFamily="34" charset="0"/>
                           <a:cs typeface="Calibri" panose="020F0502020204030204" pitchFamily="34" charset="0"/>
                         </a:rPr>
-                        <a:t>0.542</a:t>
+                        <a:t>0.0094</a:t>
                       </a:r>
                     </a:p>
                     <a:p>
@@ -4349,7 +4349,7 @@
                           <a:latin typeface="Calibri" panose="020F0502020204030204" pitchFamily="34" charset="0"/>
                           <a:cs typeface="Calibri" panose="020F0502020204030204" pitchFamily="34" charset="0"/>
                         </a:rPr>
-                        <a:t>0.425</a:t>
+                        <a:t>0.0061</a:t>
                       </a:r>
                       <a:endParaRPr lang="en-US" sz="1600" b="0" cap="none" spc="0" dirty="0">
                         <a:solidFill>
@@ -4470,6 +4470,19 @@
                     <a:bodyPr/>
                     <a:lstStyle/>
                     <a:p>
+                      <a:pPr algn="r" rtl="1"/>
+                      <a:r>
+                        <a:rPr lang="en-US" sz="1600" b="0" cap="none" spc="0" dirty="0">
+                          <a:solidFill>
+                            <a:schemeClr val="tx1"/>
+                          </a:solidFill>
+                          <a:latin typeface="Calibri" panose="020F0502020204030204" pitchFamily="34" charset="0"/>
+                          <a:cs typeface="Calibri" panose="020F0502020204030204" pitchFamily="34" charset="0"/>
+                        </a:rPr>
+                        <a:t>Zero crossing – acc, x axis</a:t>
+                      </a:r>
+                    </a:p>
+                    <a:p>
                       <a:pPr marL="0" marR="0" lvl="0" indent="0" algn="r" defTabSz="914400" rtl="1" eaLnBrk="1" fontAlgn="auto" latinLnBrk="0" hangingPunct="1">
                         <a:lnSpc>
                           <a:spcPct val="100000"/>
@@ -4488,42 +4501,15 @@
                         <a:defRPr/>
                       </a:pPr>
                       <a:r>
-                        <a:rPr lang="he-IL" sz="1600" b="0" cap="none" spc="0" dirty="0">
+                        <a:rPr lang="en-US" sz="1600" b="0" cap="none" spc="0" dirty="0">
                           <a:solidFill>
                             <a:schemeClr val="tx1"/>
                           </a:solidFill>
                           <a:latin typeface="Calibri" panose="020F0502020204030204" pitchFamily="34" charset="0"/>
                           <a:cs typeface="Calibri" panose="020F0502020204030204" pitchFamily="34" charset="0"/>
                         </a:rPr>
-                        <a:t>(</a:t>
-                      </a:r>
-                      <a:r>
-                        <a:rPr lang="he-IL" sz="1600" b="0" cap="none" spc="0" dirty="0" err="1">
-                          <a:solidFill>
-                            <a:schemeClr val="tx1"/>
-                          </a:solidFill>
-                          <a:latin typeface="Calibri" panose="020F0502020204030204" pitchFamily="34" charset="0"/>
-                          <a:cs typeface="Calibri" panose="020F0502020204030204" pitchFamily="34" charset="0"/>
-                        </a:rPr>
-                        <a:t>תאור</a:t>
-                      </a:r>
-                      <a:r>
-                        <a:rPr lang="he-IL" sz="1600" b="0" cap="none" spc="0" dirty="0">
-                          <a:solidFill>
-                            <a:schemeClr val="tx1"/>
-                          </a:solidFill>
-                          <a:latin typeface="Calibri" panose="020F0502020204030204" pitchFamily="34" charset="0"/>
-                          <a:cs typeface="Calibri" panose="020F0502020204030204" pitchFamily="34" charset="0"/>
-                        </a:rPr>
-                        <a:t> כללי של שני הפיצ'רים)</a:t>
-                      </a:r>
-                      <a:endParaRPr lang="en-US" sz="1600" b="0" cap="none" spc="0" dirty="0">
-                        <a:solidFill>
-                          <a:schemeClr val="tx1"/>
-                        </a:solidFill>
-                        <a:latin typeface="Calibri" panose="020F0502020204030204" pitchFamily="34" charset="0"/>
-                        <a:cs typeface="Calibri" panose="020F0502020204030204" pitchFamily="34" charset="0"/>
-                      </a:endParaRPr>
+                        <a:t>Zero crossing – acc, y axis</a:t>
+                      </a:r>
                     </a:p>
                     <a:p>
                       <a:pPr algn="r" rtl="1"/>
@@ -4632,33 +4618,17 @@
                     <a:bodyPr/>
                     <a:lstStyle/>
                     <a:p>
-                      <a:pPr marL="0" marR="0" lvl="0" indent="0" algn="r" defTabSz="914400" rtl="1" eaLnBrk="1" fontAlgn="auto" latinLnBrk="0" hangingPunct="1">
-                        <a:lnSpc>
-                          <a:spcPct val="100000"/>
-                        </a:lnSpc>
-                        <a:spcBef>
-                          <a:spcPts val="0"/>
-                        </a:spcBef>
-                        <a:spcAft>
-                          <a:spcPts val="0"/>
-                        </a:spcAft>
-                        <a:buClrTx/>
-                        <a:buSzTx/>
-                        <a:buFontTx/>
-                        <a:buNone/>
-                        <a:tabLst/>
-                        <a:defRPr/>
-                      </a:pPr>
-                      <a:endParaRPr lang="en-US" sz="1600" b="0" cap="none" spc="0" dirty="0">
-                        <a:solidFill>
-                          <a:schemeClr val="tx1"/>
-                        </a:solidFill>
-                        <a:latin typeface="Calibri" panose="020F0502020204030204" pitchFamily="34" charset="0"/>
-                        <a:cs typeface="Calibri" panose="020F0502020204030204" pitchFamily="34" charset="0"/>
-                      </a:endParaRPr>
-                    </a:p>
-                    <a:p>
                       <a:pPr algn="r" rtl="1"/>
+                      <a:r>
+                        <a:rPr lang="en-US" sz="1600" b="0" cap="none" spc="0" dirty="0" err="1">
+                          <a:solidFill>
+                            <a:schemeClr val="tx1"/>
+                          </a:solidFill>
+                          <a:latin typeface="Calibri" panose="020F0502020204030204" pitchFamily="34" charset="0"/>
+                          <a:cs typeface="Calibri" panose="020F0502020204030204" pitchFamily="34" charset="0"/>
+                        </a:rPr>
+                        <a:t>Relieff</a:t>
+                      </a:r>
                       <a:endParaRPr lang="en-US" sz="1600" b="0" cap="none" spc="0" dirty="0">
                         <a:solidFill>
                           <a:schemeClr val="tx1"/>
@@ -4750,13 +4720,16 @@
                     <a:lstStyle/>
                     <a:p>
                       <a:pPr algn="r" rtl="1"/>
-                      <a:endParaRPr lang="en-US" sz="1600" b="0" cap="none" spc="0" dirty="0">
-                        <a:solidFill>
-                          <a:schemeClr val="tx1"/>
-                        </a:solidFill>
-                        <a:latin typeface="Calibri" panose="020F0502020204030204" pitchFamily="34" charset="0"/>
-                        <a:cs typeface="Calibri" panose="020F0502020204030204" pitchFamily="34" charset="0"/>
-                      </a:endParaRPr>
+                      <a:r>
+                        <a:rPr lang="en-US" sz="1600" b="0" cap="none" spc="0" dirty="0">
+                          <a:solidFill>
+                            <a:schemeClr val="tx1"/>
+                          </a:solidFill>
+                          <a:latin typeface="Calibri" panose="020F0502020204030204" pitchFamily="34" charset="0"/>
+                          <a:cs typeface="Calibri" panose="020F0502020204030204" pitchFamily="34" charset="0"/>
+                        </a:rPr>
+                        <a:t>Forward search</a:t>
+                      </a:r>
                     </a:p>
                   </a:txBody>
                   <a:tcPr marL="151061" marR="151061" marT="151061" marB="151061" anchor="ctr">
@@ -4838,13 +4811,16 @@
                     <a:lstStyle/>
                     <a:p>
                       <a:pPr algn="r" rtl="1"/>
-                      <a:endParaRPr lang="en-US" sz="1600" b="0" cap="none" spc="0" dirty="0">
-                        <a:solidFill>
-                          <a:schemeClr val="tx1"/>
-                        </a:solidFill>
-                        <a:latin typeface="Calibri" panose="020F0502020204030204" pitchFamily="34" charset="0"/>
-                        <a:cs typeface="Calibri" panose="020F0502020204030204" pitchFamily="34" charset="0"/>
-                      </a:endParaRPr>
+                      <a:r>
+                        <a:rPr lang="en-US" sz="1600" b="0" cap="none" spc="0" dirty="0">
+                          <a:solidFill>
+                            <a:schemeClr val="tx1"/>
+                          </a:solidFill>
+                          <a:latin typeface="Calibri" panose="020F0502020204030204" pitchFamily="34" charset="0"/>
+                          <a:cs typeface="Calibri" panose="020F0502020204030204" pitchFamily="34" charset="0"/>
+                        </a:rPr>
+                        <a:t>AUC - ROC</a:t>
+                      </a:r>
                     </a:p>
                   </a:txBody>
                   <a:tcPr marL="151061" marR="151061" marT="151061" marB="151061" anchor="ctr">
@@ -4930,32 +4906,28 @@
                     <a:p>
                       <a:pPr algn="r" rtl="1"/>
                       <a:r>
-                        <a:rPr lang="he-IL" sz="1600" b="0" cap="none" spc="0" dirty="0" err="1">
+                        <a:rPr lang="en-US" sz="1600" b="0" cap="none" spc="0" dirty="0">
                           <a:solidFill>
                             <a:schemeClr val="tx1"/>
                           </a:solidFill>
                           <a:latin typeface="Calibri" panose="020F0502020204030204" pitchFamily="34" charset="0"/>
                           <a:cs typeface="Calibri" panose="020F0502020204030204" pitchFamily="34" charset="0"/>
                         </a:rPr>
-                        <a:t>תאור</a:t>
-                      </a:r>
-                      <a:r>
-                        <a:rPr lang="he-IL" sz="1600" b="0" cap="none" spc="0" dirty="0">
+                        <a:t>Zero crossing – acc, z axis</a:t>
+                      </a:r>
+                    </a:p>
+                    <a:p>
+                      <a:pPr algn="r" rtl="1"/>
+                      <a:r>
+                        <a:rPr lang="en-US" sz="1600" b="0" cap="none" spc="0" dirty="0">
                           <a:solidFill>
                             <a:schemeClr val="tx1"/>
                           </a:solidFill>
                           <a:latin typeface="Calibri" panose="020F0502020204030204" pitchFamily="34" charset="0"/>
                           <a:cs typeface="Calibri" panose="020F0502020204030204" pitchFamily="34" charset="0"/>
                         </a:rPr>
-                        <a:t> של שני הפיצ'רים שהציון המשותף שלהם הכי גבוה</a:t>
-                      </a:r>
-                      <a:endParaRPr lang="en-US" sz="1600" b="0" cap="none" spc="0" dirty="0">
-                        <a:solidFill>
-                          <a:schemeClr val="tx1"/>
-                        </a:solidFill>
-                        <a:latin typeface="Calibri" panose="020F0502020204030204" pitchFamily="34" charset="0"/>
-                        <a:cs typeface="Calibri" panose="020F0502020204030204" pitchFamily="34" charset="0"/>
-                      </a:endParaRPr>
+                        <a:t>Minimum value – acc, z axis</a:t>
+                      </a:r>
                     </a:p>
                   </a:txBody>
                   <a:tcPr marL="151061" marR="151061" marT="151061" marB="151061" anchor="ctr">
@@ -5030,16 +5002,6 @@
                     <a:p>
                       <a:pPr algn="r" rtl="1"/>
                       <a:r>
-                        <a:rPr lang="he-IL" sz="1600" b="0" cap="none" spc="0" dirty="0" err="1">
-                          <a:solidFill>
-                            <a:schemeClr val="tx1"/>
-                          </a:solidFill>
-                          <a:latin typeface="Calibri" panose="020F0502020204030204" pitchFamily="34" charset="0"/>
-                          <a:cs typeface="Calibri" panose="020F0502020204030204" pitchFamily="34" charset="0"/>
-                        </a:rPr>
-                        <a:t>תאור</a:t>
-                      </a:r>
-                      <a:r>
                         <a:rPr lang="he-IL" sz="1600" b="0" cap="none" spc="0" dirty="0">
                           <a:solidFill>
                             <a:schemeClr val="tx1"/>
@@ -5047,15 +5009,21 @@
                           <a:latin typeface="Calibri" panose="020F0502020204030204" pitchFamily="34" charset="0"/>
                           <a:cs typeface="Calibri" panose="020F0502020204030204" pitchFamily="34" charset="0"/>
                         </a:rPr>
-                        <a:t> גודל החלון ומידת החפיפה</a:t>
-                      </a:r>
-                      <a:endParaRPr lang="en-US" sz="1600" b="0" cap="none" spc="0" dirty="0">
-                        <a:solidFill>
-                          <a:schemeClr val="tx1"/>
-                        </a:solidFill>
-                        <a:latin typeface="Calibri" panose="020F0502020204030204" pitchFamily="34" charset="0"/>
-                        <a:cs typeface="Calibri" panose="020F0502020204030204" pitchFamily="34" charset="0"/>
-                      </a:endParaRPr>
+                        <a:t>חלון בגודל 20 שניות</a:t>
+                      </a:r>
+                    </a:p>
+                    <a:p>
+                      <a:pPr algn="r" rtl="1"/>
+                      <a:r>
+                        <a:rPr lang="he-IL" sz="1600" b="0" cap="none" spc="0" dirty="0">
+                          <a:solidFill>
+                            <a:schemeClr val="tx1"/>
+                          </a:solidFill>
+                          <a:latin typeface="Calibri" panose="020F0502020204030204" pitchFamily="34" charset="0"/>
+                          <a:cs typeface="Calibri" panose="020F0502020204030204" pitchFamily="34" charset="0"/>
+                        </a:rPr>
+                        <a:t>50% חפיפה</a:t>
+                      </a:r>
                     </a:p>
                   </a:txBody>
                   <a:tcPr marL="151061" marR="151061" marT="151061" marB="151061" anchor="ctr">
@@ -5153,6 +5121,14 @@
 <file path=ppt/slides/slide3.xml><?xml version="1.0" encoding="utf-8"?>
 <p:sld xmlns:a="http://schemas.openxmlformats.org/drawingml/2006/main" xmlns:r="http://schemas.openxmlformats.org/officeDocument/2006/relationships" xmlns:p="http://schemas.openxmlformats.org/presentationml/2006/main">
   <p:cSld>
+    <p:bg>
+      <p:bgPr>
+        <a:solidFill>
+          <a:schemeClr val="bg1"/>
+        </a:solidFill>
+        <a:effectLst/>
+      </p:bgPr>
+    </p:bg>
     <p:spTree>
       <p:nvGrpSpPr>
         <p:cNvPr id="1" name=""/>
@@ -5167,6 +5143,66 @@
           <a:chExt cx="0" cy="0"/>
         </a:xfrm>
       </p:grpSpPr>
+      <p:sp useBgFill="1">
+        <p:nvSpPr>
+          <p:cNvPr id="10" name="Rectangle 9">
+            <a:extLst>
+              <a:ext uri="{FF2B5EF4-FFF2-40B4-BE49-F238E27FC236}">
+                <a16:creationId xmlns:a16="http://schemas.microsoft.com/office/drawing/2014/main" id="{69426B45-4C4F-4D52-8537-76E9A5B89E2F}"/>
+              </a:ext>
+              <a:ext uri="{C183D7F6-B498-43B3-948B-1728B52AA6E4}">
+                <adec:decorative xmlns:adec="http://schemas.microsoft.com/office/drawing/2017/decorative" val="1"/>
+              </a:ext>
+            </a:extLst>
+          </p:cNvPr>
+          <p:cNvSpPr>
+            <a:spLocks noGrp="1" noRot="1" noChangeAspect="1" noMove="1" noResize="1" noEditPoints="1" noAdjustHandles="1" noChangeArrowheads="1" noChangeShapeType="1" noTextEdit="1"/>
+          </p:cNvSpPr>
+          <p:nvPr>
+            <p:extLst>
+              <p:ext uri="{386F3935-93C4-4BCD-93E2-E3B085C9AB24}">
+                <p16:designElem xmlns:p16="http://schemas.microsoft.com/office/powerpoint/2015/main" val="1"/>
+              </p:ext>
+            </p:extLst>
+          </p:nvPr>
+        </p:nvSpPr>
+        <p:spPr>
+          <a:xfrm>
+            <a:off x="0" y="0"/>
+            <a:ext cx="12192000" cy="6858000"/>
+          </a:xfrm>
+          <a:prstGeom prst="rect">
+            <a:avLst/>
+          </a:prstGeom>
+          <a:ln>
+            <a:noFill/>
+          </a:ln>
+        </p:spPr>
+        <p:style>
+          <a:lnRef idx="2">
+            <a:schemeClr val="accent1">
+              <a:shade val="50000"/>
+            </a:schemeClr>
+          </a:lnRef>
+          <a:fillRef idx="1">
+            <a:schemeClr val="accent1"/>
+          </a:fillRef>
+          <a:effectRef idx="0">
+            <a:schemeClr val="accent1"/>
+          </a:effectRef>
+          <a:fontRef idx="minor">
+            <a:schemeClr val="lt1"/>
+          </a:fontRef>
+        </p:style>
+        <p:txBody>
+          <a:bodyPr rtlCol="0" anchor="ctr"/>
+          <a:lstStyle/>
+          <a:p>
+            <a:pPr algn="ctr"/>
+            <a:endParaRPr lang="en-US"/>
+          </a:p>
+        </p:txBody>
+      </p:sp>
       <p:sp>
         <p:nvSpPr>
           <p:cNvPr id="2" name="Title 1">
@@ -5185,21 +5221,17 @@
         </p:nvSpPr>
         <p:spPr>
           <a:xfrm>
-            <a:off x="1097280" y="733425"/>
-            <a:ext cx="10058400" cy="1003935"/>
+            <a:off x="1036320" y="286603"/>
+            <a:ext cx="10058400" cy="1450757"/>
           </a:xfrm>
-          <a:solidFill>
-            <a:schemeClr val="accent5">
-              <a:lumMod val="20000"/>
-              <a:lumOff val="80000"/>
-            </a:schemeClr>
-          </a:solidFill>
         </p:spPr>
         <p:txBody>
-          <a:bodyPr/>
+          <a:bodyPr>
+            <a:normAutofit/>
+          </a:bodyPr>
           <a:lstStyle/>
           <a:p>
-            <a:pPr algn="r" rtl="1"/>
+            <a:pPr rtl="1"/>
             <a:r>
               <a:rPr lang="he-IL" dirty="0">
                 <a:latin typeface="Calibri" panose="020F0502020204030204" pitchFamily="34" charset="0"/>
@@ -5207,13 +5239,68 @@
               </a:rPr>
               <a:t>ויזואליזציה של פיצ'רים – חלונות נעים</a:t>
             </a:r>
-            <a:endParaRPr lang="en-IL" dirty="0">
+            <a:endParaRPr lang="en-IL">
               <a:latin typeface="Calibri" panose="020F0502020204030204" pitchFamily="34" charset="0"/>
               <a:cs typeface="Calibri" panose="020F0502020204030204" pitchFamily="34" charset="0"/>
             </a:endParaRPr>
           </a:p>
         </p:txBody>
       </p:sp>
+      <p:cxnSp>
+        <p:nvCxnSpPr>
+          <p:cNvPr id="12" name="Straight Connector 11">
+            <a:extLst>
+              <a:ext uri="{FF2B5EF4-FFF2-40B4-BE49-F238E27FC236}">
+                <a16:creationId xmlns:a16="http://schemas.microsoft.com/office/drawing/2014/main" id="{CF117E1C-E964-4433-B1A8-BB2301D0FF14}"/>
+              </a:ext>
+              <a:ext uri="{C183D7F6-B498-43B3-948B-1728B52AA6E4}">
+                <adec:decorative xmlns:adec="http://schemas.microsoft.com/office/drawing/2017/decorative" val="1"/>
+              </a:ext>
+            </a:extLst>
+          </p:cNvPr>
+          <p:cNvCxnSpPr>
+            <a:cxnSpLocks noGrp="1" noRot="1" noChangeAspect="1" noMove="1" noResize="1" noEditPoints="1" noAdjustHandles="1" noChangeArrowheads="1" noChangeShapeType="1"/>
+          </p:cNvCxnSpPr>
+          <p:nvPr>
+            <p:extLst>
+              <p:ext uri="{386F3935-93C4-4BCD-93E2-E3B085C9AB24}">
+                <p16:designElem xmlns:p16="http://schemas.microsoft.com/office/powerpoint/2015/main" val="1"/>
+              </p:ext>
+            </p:extLst>
+          </p:nvPr>
+        </p:nvCxnSpPr>
+        <p:spPr>
+          <a:xfrm>
+            <a:off x="1193532" y="1897380"/>
+            <a:ext cx="9966960" cy="0"/>
+          </a:xfrm>
+          <a:prstGeom prst="line">
+            <a:avLst/>
+          </a:prstGeom>
+          <a:ln w="12700">
+            <a:solidFill>
+              <a:schemeClr val="tx1">
+                <a:lumMod val="75000"/>
+                <a:lumOff val="25000"/>
+              </a:schemeClr>
+            </a:solidFill>
+          </a:ln>
+        </p:spPr>
+        <p:style>
+          <a:lnRef idx="1">
+            <a:schemeClr val="accent1"/>
+          </a:lnRef>
+          <a:fillRef idx="0">
+            <a:schemeClr val="accent1"/>
+          </a:fillRef>
+          <a:effectRef idx="0">
+            <a:schemeClr val="accent1"/>
+          </a:effectRef>
+          <a:fontRef idx="minor">
+            <a:schemeClr val="tx1"/>
+          </a:fontRef>
+        </p:style>
+      </p:cxnSp>
       <p:sp>
         <p:nvSpPr>
           <p:cNvPr id="3" name="Content Placeholder 2">
@@ -5230,39 +5317,108 @@
             <p:ph idx="1"/>
           </p:nvPr>
         </p:nvSpPr>
-        <p:spPr/>
+        <p:spPr>
+          <a:xfrm>
+            <a:off x="5248657" y="2108201"/>
+            <a:ext cx="5846063" cy="3760891"/>
+          </a:xfrm>
+        </p:spPr>
         <p:txBody>
-          <a:bodyPr/>
+          <a:bodyPr>
+            <a:normAutofit/>
+          </a:bodyPr>
           <a:lstStyle/>
           <a:p>
-            <a:pPr algn="r" rtl="1"/>
-            <a:r>
-              <a:rPr lang="he-IL" dirty="0"/>
-              <a:t>גרפים המלמדים על הקשר בין הפיצ'רים והתיוגים (</a:t>
-            </a:r>
-            <a:r>
-              <a:rPr lang="en-US" dirty="0" err="1"/>
-              <a:t>gplotmatrix</a:t>
-            </a:r>
-            <a:r>
-              <a:rPr lang="en-US" dirty="0"/>
-              <a:t>, boxplots</a:t>
-            </a:r>
-            <a:r>
-              <a:rPr lang="he-IL" dirty="0"/>
-              <a:t>)</a:t>
-            </a:r>
-          </a:p>
-          <a:p>
-            <a:pPr algn="r" rtl="1"/>
-            <a:r>
-              <a:rPr lang="he-IL" dirty="0"/>
-              <a:t>לא חייבים להציג את כל הגרפים. כן חייבים שיופיעו הפיצ'רים הנבחרים</a:t>
-            </a:r>
-            <a:endParaRPr lang="en-IL" dirty="0"/>
+            <a:pPr rtl="1"/>
+            <a:endParaRPr lang="en-IL"/>
           </a:p>
         </p:txBody>
       </p:sp>
+      <p:sp>
+        <p:nvSpPr>
+          <p:cNvPr id="14" name="Rectangle 13">
+            <a:extLst>
+              <a:ext uri="{FF2B5EF4-FFF2-40B4-BE49-F238E27FC236}">
+                <a16:creationId xmlns:a16="http://schemas.microsoft.com/office/drawing/2014/main" id="{67E6FB20-7663-466F-A928-9371C34F955C}"/>
+              </a:ext>
+              <a:ext uri="{C183D7F6-B498-43B3-948B-1728B52AA6E4}">
+                <adec:decorative xmlns:adec="http://schemas.microsoft.com/office/drawing/2017/decorative" val="1"/>
+              </a:ext>
+            </a:extLst>
+          </p:cNvPr>
+          <p:cNvSpPr>
+            <a:spLocks noGrp="1" noRot="1" noChangeAspect="1" noMove="1" noResize="1" noEditPoints="1" noAdjustHandles="1" noChangeArrowheads="1" noChangeShapeType="1" noTextEdit="1"/>
+          </p:cNvSpPr>
+          <p:nvPr>
+            <p:extLst>
+              <p:ext uri="{386F3935-93C4-4BCD-93E2-E3B085C9AB24}">
+                <p16:designElem xmlns:p16="http://schemas.microsoft.com/office/powerpoint/2015/main" val="1"/>
+              </p:ext>
+            </p:extLst>
+          </p:nvPr>
+        </p:nvSpPr>
+        <p:spPr>
+          <a:xfrm>
+            <a:off x="0" y="6400800"/>
+            <a:ext cx="12194275" cy="457200"/>
+          </a:xfrm>
+          <a:prstGeom prst="rect">
+            <a:avLst/>
+          </a:prstGeom>
+          <a:solidFill>
+            <a:srgbClr val="262626"/>
+          </a:solidFill>
+          <a:ln>
+            <a:noFill/>
+          </a:ln>
+        </p:spPr>
+        <p:style>
+          <a:lnRef idx="2">
+            <a:schemeClr val="accent1">
+              <a:shade val="50000"/>
+            </a:schemeClr>
+          </a:lnRef>
+          <a:fillRef idx="1">
+            <a:schemeClr val="accent1"/>
+          </a:fillRef>
+          <a:effectRef idx="0">
+            <a:schemeClr val="accent1"/>
+          </a:effectRef>
+          <a:fontRef idx="minor">
+            <a:schemeClr val="lt1"/>
+          </a:fontRef>
+        </p:style>
+      </p:sp>
+      <p:pic>
+        <p:nvPicPr>
+          <p:cNvPr id="7" name="Picture 6">
+            <a:extLst>
+              <a:ext uri="{FF2B5EF4-FFF2-40B4-BE49-F238E27FC236}">
+                <a16:creationId xmlns:a16="http://schemas.microsoft.com/office/drawing/2014/main" id="{6F450E2E-E0AF-4064-AE51-DB57DF3CE414}"/>
+              </a:ext>
+            </a:extLst>
+          </p:cNvPr>
+          <p:cNvPicPr>
+            <a:picLocks noChangeAspect="1"/>
+          </p:cNvPicPr>
+          <p:nvPr/>
+        </p:nvPicPr>
+        <p:blipFill>
+          <a:blip r:embed="rId2"/>
+          <a:stretch>
+            <a:fillRect/>
+          </a:stretch>
+        </p:blipFill>
+        <p:spPr>
+          <a:xfrm>
+            <a:off x="443140" y="2058251"/>
+            <a:ext cx="6676812" cy="3925987"/>
+          </a:xfrm>
+          <a:prstGeom prst="rect">
+            <a:avLst/>
+          </a:prstGeom>
+        </p:spPr>
+      </p:pic>
     </p:spTree>
     <p:extLst>
       <p:ext uri="{BB962C8B-B14F-4D97-AF65-F5344CB8AC3E}">
@@ -5366,14 +5522,14 @@
             <p:ph idx="1"/>
             <p:extLst>
               <p:ext uri="{D42A27DB-BD31-4B8C-83A1-F6EECF244321}">
-                <p14:modId xmlns:p14="http://schemas.microsoft.com/office/powerpoint/2010/main" val="1602052833"/>
+                <p14:modId xmlns:p14="http://schemas.microsoft.com/office/powerpoint/2010/main" val="1551340595"/>
               </p:ext>
             </p:extLst>
           </p:nvPr>
         </p:nvGraphicFramePr>
         <p:xfrm>
           <a:off x="996696" y="1285168"/>
-          <a:ext cx="10158984" cy="5058482"/>
+          <a:ext cx="10158984" cy="5113346"/>
         </p:xfrm>
         <a:graphic>
           <a:graphicData uri="http://schemas.openxmlformats.org/drawingml/2006/table">
@@ -5397,14 +5553,14 @@
                     </a:ext>
                   </a:extLst>
                 </a:gridCol>
-                <a:gridCol w="2539746">
+                <a:gridCol w="2604568">
                   <a:extLst>
                     <a:ext uri="{9D8B030D-6E8A-4147-A177-3AD203B41FA5}">
                       <a16:colId xmlns:a16="http://schemas.microsoft.com/office/drawing/2014/main" val="2572263168"/>
                     </a:ext>
                   </a:extLst>
                 </a:gridCol>
-                <a:gridCol w="2539746">
+                <a:gridCol w="2474924">
                   <a:extLst>
                     <a:ext uri="{9D8B030D-6E8A-4147-A177-3AD203B41FA5}">
                       <a16:colId xmlns:a16="http://schemas.microsoft.com/office/drawing/2014/main" val="1765783061"/>
@@ -5627,7 +5783,7 @@
                           <a:latin typeface="Calibri" panose="020F0502020204030204" pitchFamily="34" charset="0"/>
                           <a:cs typeface="Calibri" panose="020F0502020204030204" pitchFamily="34" charset="0"/>
                         </a:rPr>
-                        <a:t>10</a:t>
+                        <a:t>13</a:t>
                       </a:r>
                       <a:endParaRPr lang="en-US" sz="1600" b="0" cap="none" spc="0" dirty="0">
                         <a:solidFill>
@@ -5887,7 +6043,7 @@
                           <a:latin typeface="Calibri" panose="020F0502020204030204" pitchFamily="34" charset="0"/>
                           <a:cs typeface="Calibri" panose="020F0502020204030204" pitchFamily="34" charset="0"/>
                         </a:rPr>
-                        <a:t>0.542</a:t>
+                        <a:t>0.0028</a:t>
                       </a:r>
                     </a:p>
                     <a:p>
@@ -5900,7 +6056,7 @@
                           <a:latin typeface="Calibri" panose="020F0502020204030204" pitchFamily="34" charset="0"/>
                           <a:cs typeface="Calibri" panose="020F0502020204030204" pitchFamily="34" charset="0"/>
                         </a:rPr>
-                        <a:t>0.425</a:t>
+                        <a:t>0.0023</a:t>
                       </a:r>
                       <a:endParaRPr lang="en-US" sz="1600" b="0" cap="none" spc="0" dirty="0">
                         <a:solidFill>
@@ -6039,52 +6195,54 @@
                         <a:defRPr/>
                       </a:pPr>
                       <a:r>
-                        <a:rPr lang="he-IL" sz="1600" b="0" cap="none" spc="0" dirty="0">
+                        <a:rPr lang="en-US" sz="1600" b="0" cap="none" spc="0" dirty="0" err="1">
                           <a:solidFill>
                             <a:schemeClr val="tx1"/>
                           </a:solidFill>
                           <a:latin typeface="Calibri" panose="020F0502020204030204" pitchFamily="34" charset="0"/>
                           <a:cs typeface="Calibri" panose="020F0502020204030204" pitchFamily="34" charset="0"/>
                         </a:rPr>
-                        <a:t>(</a:t>
-                      </a:r>
-                      <a:r>
-                        <a:rPr lang="he-IL" sz="1600" b="0" cap="none" spc="0" dirty="0" err="1">
+                        <a:t>Bandpower</a:t>
+                      </a:r>
+                      <a:r>
+                        <a:rPr lang="en-US" sz="1600" b="0" cap="none" spc="0" dirty="0">
                           <a:solidFill>
                             <a:schemeClr val="tx1"/>
                           </a:solidFill>
                           <a:latin typeface="Calibri" panose="020F0502020204030204" pitchFamily="34" charset="0"/>
                           <a:cs typeface="Calibri" panose="020F0502020204030204" pitchFamily="34" charset="0"/>
                         </a:rPr>
-                        <a:t>תאור</a:t>
-                      </a:r>
-                      <a:r>
-                        <a:rPr lang="he-IL" sz="1600" b="0" cap="none" spc="0" dirty="0">
+                        <a:t> - gyro , y axis</a:t>
+                      </a:r>
+                    </a:p>
+                    <a:p>
+                      <a:pPr marL="0" marR="0" lvl="0" indent="0" algn="r" defTabSz="914400" rtl="1" eaLnBrk="1" fontAlgn="auto" latinLnBrk="0" hangingPunct="1">
+                        <a:lnSpc>
+                          <a:spcPct val="100000"/>
+                        </a:lnSpc>
+                        <a:spcBef>
+                          <a:spcPts val="0"/>
+                        </a:spcBef>
+                        <a:spcAft>
+                          <a:spcPts val="0"/>
+                        </a:spcAft>
+                        <a:buClrTx/>
+                        <a:buSzTx/>
+                        <a:buFontTx/>
+                        <a:buNone/>
+                        <a:tabLst/>
+                        <a:defRPr/>
+                      </a:pPr>
+                      <a:r>
+                        <a:rPr lang="en-US" sz="1600" b="0" cap="none" spc="0" dirty="0">
                           <a:solidFill>
                             <a:schemeClr val="tx1"/>
                           </a:solidFill>
                           <a:latin typeface="Calibri" panose="020F0502020204030204" pitchFamily="34" charset="0"/>
                           <a:cs typeface="Calibri" panose="020F0502020204030204" pitchFamily="34" charset="0"/>
                         </a:rPr>
-                        <a:t> כללי של שני הפיצ'רים)</a:t>
-                      </a:r>
-                      <a:endParaRPr lang="en-US" sz="1600" b="0" cap="none" spc="0" dirty="0">
-                        <a:solidFill>
-                          <a:schemeClr val="tx1"/>
-                        </a:solidFill>
-                        <a:latin typeface="Calibri" panose="020F0502020204030204" pitchFamily="34" charset="0"/>
-                        <a:cs typeface="Calibri" panose="020F0502020204030204" pitchFamily="34" charset="0"/>
-                      </a:endParaRPr>
-                    </a:p>
-                    <a:p>
-                      <a:pPr algn="r" rtl="1"/>
-                      <a:endParaRPr lang="en-US" sz="1600" b="0" cap="none" spc="0" dirty="0">
-                        <a:solidFill>
-                          <a:schemeClr val="tx1"/>
-                        </a:solidFill>
-                        <a:latin typeface="Calibri" panose="020F0502020204030204" pitchFamily="34" charset="0"/>
-                        <a:cs typeface="Calibri" panose="020F0502020204030204" pitchFamily="34" charset="0"/>
-                      </a:endParaRPr>
+                        <a:t>Max value - gyro, x axis</a:t>
+                      </a:r>
                     </a:p>
                   </a:txBody>
                   <a:tcPr marL="151061" marR="151061" marT="151061" marB="151061" anchor="ctr">
@@ -6210,6 +6368,16 @@
                     </a:p>
                     <a:p>
                       <a:pPr algn="r" rtl="1"/>
+                      <a:r>
+                        <a:rPr lang="en-US" sz="1600" b="0" cap="none" spc="0" dirty="0" err="1">
+                          <a:solidFill>
+                            <a:schemeClr val="tx1"/>
+                          </a:solidFill>
+                          <a:latin typeface="Calibri" panose="020F0502020204030204" pitchFamily="34" charset="0"/>
+                          <a:cs typeface="Calibri" panose="020F0502020204030204" pitchFamily="34" charset="0"/>
+                        </a:rPr>
+                        <a:t>Relieff</a:t>
+                      </a:r>
                       <a:endParaRPr lang="en-US" sz="1600" b="0" cap="none" spc="0" dirty="0">
                         <a:solidFill>
                           <a:schemeClr val="tx1"/>
@@ -6301,13 +6469,16 @@
                     <a:lstStyle/>
                     <a:p>
                       <a:pPr algn="r" rtl="1"/>
-                      <a:endParaRPr lang="en-US" sz="1600" b="0" cap="none" spc="0" dirty="0">
-                        <a:solidFill>
-                          <a:schemeClr val="tx1"/>
-                        </a:solidFill>
-                        <a:latin typeface="Calibri" panose="020F0502020204030204" pitchFamily="34" charset="0"/>
-                        <a:cs typeface="Calibri" panose="020F0502020204030204" pitchFamily="34" charset="0"/>
-                      </a:endParaRPr>
+                      <a:r>
+                        <a:rPr lang="en-US" sz="1600" b="0" cap="none" spc="0" dirty="0">
+                          <a:solidFill>
+                            <a:schemeClr val="tx1"/>
+                          </a:solidFill>
+                          <a:latin typeface="Calibri" panose="020F0502020204030204" pitchFamily="34" charset="0"/>
+                          <a:cs typeface="Calibri" panose="020F0502020204030204" pitchFamily="34" charset="0"/>
+                        </a:rPr>
+                        <a:t>Forward search</a:t>
+                      </a:r>
                     </a:p>
                   </a:txBody>
                   <a:tcPr marL="151061" marR="151061" marT="151061" marB="151061" anchor="ctr">
@@ -6389,13 +6560,16 @@
                     <a:lstStyle/>
                     <a:p>
                       <a:pPr algn="r" rtl="1"/>
-                      <a:endParaRPr lang="en-US" sz="1600" b="0" cap="none" spc="0" dirty="0">
-                        <a:solidFill>
-                          <a:schemeClr val="tx1"/>
-                        </a:solidFill>
-                        <a:latin typeface="Calibri" panose="020F0502020204030204" pitchFamily="34" charset="0"/>
-                        <a:cs typeface="Calibri" panose="020F0502020204030204" pitchFamily="34" charset="0"/>
-                      </a:endParaRPr>
+                      <a:r>
+                        <a:rPr lang="en-US" sz="1600" b="0" cap="none" spc="0" dirty="0">
+                          <a:solidFill>
+                            <a:schemeClr val="tx1"/>
+                          </a:solidFill>
+                          <a:latin typeface="Calibri" panose="020F0502020204030204" pitchFamily="34" charset="0"/>
+                          <a:cs typeface="Calibri" panose="020F0502020204030204" pitchFamily="34" charset="0"/>
+                        </a:rPr>
+                        <a:t>F1 Score</a:t>
+                      </a:r>
                     </a:p>
                   </a:txBody>
                   <a:tcPr marL="151061" marR="151061" marT="151061" marB="151061" anchor="ctr">
@@ -6479,27 +6653,75 @@
                     <a:bodyPr/>
                     <a:lstStyle/>
                     <a:p>
-                      <a:pPr algn="r" rtl="1"/>
-                      <a:r>
-                        <a:rPr lang="he-IL" sz="1600" b="0" cap="none" spc="0" dirty="0" err="1">
+                      <a:pPr marL="0" marR="0" lvl="0" indent="0" algn="r" defTabSz="914400" rtl="1" eaLnBrk="1" fontAlgn="auto" latinLnBrk="0" hangingPunct="1">
+                        <a:lnSpc>
+                          <a:spcPct val="100000"/>
+                        </a:lnSpc>
+                        <a:spcBef>
+                          <a:spcPts val="0"/>
+                        </a:spcBef>
+                        <a:spcAft>
+                          <a:spcPts val="0"/>
+                        </a:spcAft>
+                        <a:buClrTx/>
+                        <a:buSzTx/>
+                        <a:buFontTx/>
+                        <a:buNone/>
+                        <a:tabLst/>
+                        <a:defRPr/>
+                      </a:pPr>
+                      <a:r>
+                        <a:rPr lang="en-US" sz="1600" b="0" cap="none" spc="0" dirty="0" err="1">
                           <a:solidFill>
                             <a:schemeClr val="tx1"/>
                           </a:solidFill>
                           <a:latin typeface="Calibri" panose="020F0502020204030204" pitchFamily="34" charset="0"/>
                           <a:cs typeface="Calibri" panose="020F0502020204030204" pitchFamily="34" charset="0"/>
                         </a:rPr>
-                        <a:t>תאור</a:t>
-                      </a:r>
-                      <a:r>
-                        <a:rPr lang="he-IL" sz="1600" b="0" cap="none" spc="0" dirty="0">
+                        <a:t>Bandpower</a:t>
+                      </a:r>
+                      <a:r>
+                        <a:rPr lang="en-US" sz="1600" b="0" cap="none" spc="0" dirty="0">
                           <a:solidFill>
                             <a:schemeClr val="tx1"/>
                           </a:solidFill>
                           <a:latin typeface="Calibri" panose="020F0502020204030204" pitchFamily="34" charset="0"/>
                           <a:cs typeface="Calibri" panose="020F0502020204030204" pitchFamily="34" charset="0"/>
                         </a:rPr>
-                        <a:t> של שני הפיצ'רים שהציון המשותף שלהם הכי גבוה</a:t>
-                      </a:r>
+                        <a:t> - gyro , y axis</a:t>
+                      </a:r>
+                    </a:p>
+                    <a:p>
+                      <a:pPr marL="0" marR="0" lvl="0" indent="0" algn="r" defTabSz="914400" rtl="1" eaLnBrk="1" fontAlgn="auto" latinLnBrk="0" hangingPunct="1">
+                        <a:lnSpc>
+                          <a:spcPct val="100000"/>
+                        </a:lnSpc>
+                        <a:spcBef>
+                          <a:spcPts val="0"/>
+                        </a:spcBef>
+                        <a:spcAft>
+                          <a:spcPts val="0"/>
+                        </a:spcAft>
+                        <a:buClrTx/>
+                        <a:buSzTx/>
+                        <a:buFontTx/>
+                        <a:buNone/>
+                        <a:tabLst/>
+                        <a:defRPr/>
+                      </a:pPr>
+                      <a:r>
+                        <a:rPr lang="en-US" sz="1600" b="0" cap="none" spc="0" dirty="0">
+                          <a:solidFill>
+                            <a:schemeClr val="tx1"/>
+                          </a:solidFill>
+                          <a:latin typeface="Calibri" panose="020F0502020204030204" pitchFamily="34" charset="0"/>
+                          <a:cs typeface="Calibri" panose="020F0502020204030204" pitchFamily="34" charset="0"/>
+                        </a:rPr>
+                        <a:t>Min value - gyro, x axis</a:t>
+                      </a:r>
+                    </a:p>
+                    <a:p>
+                      <a:pPr algn="r" rtl="1"/>
                       <a:endParaRPr lang="en-US" sz="1600" b="0" cap="none" spc="0" dirty="0">
                         <a:solidFill>
                           <a:schemeClr val="tx1"/>
@@ -6581,16 +6803,6 @@
                     <a:p>
                       <a:pPr algn="r" rtl="1"/>
                       <a:r>
-                        <a:rPr lang="he-IL" sz="1600" b="0" cap="none" spc="0" dirty="0" err="1">
-                          <a:solidFill>
-                            <a:schemeClr val="tx1"/>
-                          </a:solidFill>
-                          <a:latin typeface="Calibri" panose="020F0502020204030204" pitchFamily="34" charset="0"/>
-                          <a:cs typeface="Calibri" panose="020F0502020204030204" pitchFamily="34" charset="0"/>
-                        </a:rPr>
-                        <a:t>תאור</a:t>
-                      </a:r>
-                      <a:r>
                         <a:rPr lang="he-IL" sz="1600" b="0" cap="none" spc="0" dirty="0">
                           <a:solidFill>
                             <a:schemeClr val="tx1"/>
@@ -6598,7 +6810,20 @@
                           <a:latin typeface="Calibri" panose="020F0502020204030204" pitchFamily="34" charset="0"/>
                           <a:cs typeface="Calibri" panose="020F0502020204030204" pitchFamily="34" charset="0"/>
                         </a:rPr>
-                        <a:t> הקריטריונים להגדרת חלון</a:t>
+                        <a:t>קביעת סף על פי </a:t>
+                      </a:r>
+                    </a:p>
+                    <a:p>
+                      <a:pPr algn="r" rtl="1"/>
+                      <a:r>
+                        <a:rPr lang="he-IL" sz="1600" b="0" cap="none" spc="0" dirty="0">
+                          <a:solidFill>
+                            <a:schemeClr val="tx1"/>
+                          </a:solidFill>
+                          <a:latin typeface="Calibri" panose="020F0502020204030204" pitchFamily="34" charset="0"/>
+                          <a:cs typeface="Calibri" panose="020F0502020204030204" pitchFamily="34" charset="0"/>
+                        </a:rPr>
+                        <a:t>סטיית תקן וסיגנל ההפרשים</a:t>
                       </a:r>
                       <a:endParaRPr lang="en-US" sz="1600" b="0" cap="none" spc="0" dirty="0">
                         <a:solidFill>
@@ -6687,8 +6912,8 @@
         </p:nvSpPr>
         <p:spPr>
           <a:xfrm>
-            <a:off x="1097280" y="847725"/>
-            <a:ext cx="10058400" cy="889635"/>
+            <a:off x="1066800" y="336369"/>
+            <a:ext cx="10058400" cy="632276"/>
           </a:xfrm>
           <a:solidFill>
             <a:schemeClr val="accent4">
@@ -6698,16 +6923,39 @@
           </a:solidFill>
         </p:spPr>
         <p:txBody>
-          <a:bodyPr/>
+          <a:bodyPr>
+            <a:normAutofit fontScale="90000"/>
+          </a:bodyPr>
           <a:lstStyle/>
           <a:p>
             <a:pPr algn="r" rtl="1"/>
+            <a:r>
+              <a:rPr lang="en-US" dirty="0">
+                <a:latin typeface="Calibri" panose="020F0502020204030204" pitchFamily="34" charset="0"/>
+                <a:cs typeface="Calibri" panose="020F0502020204030204" pitchFamily="34" charset="0"/>
+              </a:rPr>
+              <a:t> </a:t>
+            </a:r>
+            <a:r>
+              <a:rPr lang="en-US" dirty="0" err="1">
+                <a:latin typeface="Calibri" panose="020F0502020204030204" pitchFamily="34" charset="0"/>
+                <a:cs typeface="Calibri" panose="020F0502020204030204" pitchFamily="34" charset="0"/>
+              </a:rPr>
+              <a:t>Gplotmatrix</a:t>
+            </a:r>
+            <a:r>
+              <a:rPr lang="en-US" dirty="0">
+                <a:latin typeface="Calibri" panose="020F0502020204030204" pitchFamily="34" charset="0"/>
+                <a:cs typeface="Calibri" panose="020F0502020204030204" pitchFamily="34" charset="0"/>
+              </a:rPr>
+              <a:t> </a:t>
+            </a:r>
             <a:r>
               <a:rPr lang="he-IL" dirty="0">
                 <a:latin typeface="Calibri" panose="020F0502020204030204" pitchFamily="34" charset="0"/>
                 <a:cs typeface="Calibri" panose="020F0502020204030204" pitchFamily="34" charset="0"/>
               </a:rPr>
-              <a:t>ויזואליזציה של פיצ'רים – חלונות נעים</a:t>
+              <a:t>– חלון מותנה אירוע</a:t>
             </a:r>
             <a:endParaRPr lang="en-IL" dirty="0">
               <a:latin typeface="Calibri" panose="020F0502020204030204" pitchFamily="34" charset="0"/>
@@ -6716,55 +6964,65 @@
           </a:p>
         </p:txBody>
       </p:sp>
-      <p:sp>
-        <p:nvSpPr>
-          <p:cNvPr id="3" name="Content Placeholder 2">
+      <p:pic>
+        <p:nvPicPr>
+          <p:cNvPr id="5" name="Content Placeholder 4">
             <a:extLst>
               <a:ext uri="{FF2B5EF4-FFF2-40B4-BE49-F238E27FC236}">
-                <a16:creationId xmlns:a16="http://schemas.microsoft.com/office/drawing/2014/main" id="{821A43F9-6A27-4E25-A4B2-EA0A94AA59D0}"/>
+                <a16:creationId xmlns:a16="http://schemas.microsoft.com/office/drawing/2014/main" id="{774D1639-443A-44B6-9CF9-5327C1F2BDD5}"/>
               </a:ext>
             </a:extLst>
           </p:cNvPr>
-          <p:cNvSpPr>
-            <a:spLocks noGrp="1"/>
-          </p:cNvSpPr>
+          <p:cNvPicPr>
+            <a:picLocks noGrp="1" noChangeAspect="1"/>
+          </p:cNvPicPr>
           <p:nvPr>
             <p:ph idx="1"/>
           </p:nvPr>
-        </p:nvSpPr>
-        <p:spPr/>
-        <p:txBody>
-          <a:bodyPr/>
-          <a:lstStyle/>
-          <a:p>
-            <a:pPr algn="r" rtl="1"/>
-            <a:r>
-              <a:rPr lang="he-IL" dirty="0"/>
-              <a:t>גרפים המלמדים על הקשר בין הפיצ'רים והתיוגים (</a:t>
-            </a:r>
-            <a:r>
-              <a:rPr lang="en-US" dirty="0" err="1"/>
-              <a:t>gplotmatrix</a:t>
-            </a:r>
-            <a:r>
-              <a:rPr lang="en-US" dirty="0"/>
-              <a:t>, boxplots</a:t>
-            </a:r>
-            <a:r>
-              <a:rPr lang="he-IL" dirty="0"/>
-              <a:t>)</a:t>
-            </a:r>
-          </a:p>
-          <a:p>
-            <a:pPr algn="r" rtl="1"/>
-            <a:r>
-              <a:rPr lang="he-IL" dirty="0"/>
-              <a:t>לא חייבים להציג את כל הגרפים. כן חייבים שיופיעו הפיצ'רים הנבחרים</a:t>
-            </a:r>
-            <a:endParaRPr lang="en-IL" dirty="0"/>
-          </a:p>
-        </p:txBody>
-      </p:sp>
+        </p:nvPicPr>
+        <p:blipFill>
+          <a:blip r:embed="rId2"/>
+          <a:stretch>
+            <a:fillRect/>
+          </a:stretch>
+        </p:blipFill>
+        <p:spPr>
+          <a:xfrm>
+            <a:off x="568960" y="1197071"/>
+            <a:ext cx="4442847" cy="4830337"/>
+          </a:xfrm>
+        </p:spPr>
+      </p:pic>
+      <p:pic>
+        <p:nvPicPr>
+          <p:cNvPr id="7" name="Picture 6">
+            <a:extLst>
+              <a:ext uri="{FF2B5EF4-FFF2-40B4-BE49-F238E27FC236}">
+                <a16:creationId xmlns:a16="http://schemas.microsoft.com/office/drawing/2014/main" id="{7E728D40-ECF0-4076-A055-F6633A41C257}"/>
+              </a:ext>
+            </a:extLst>
+          </p:cNvPr>
+          <p:cNvPicPr>
+            <a:picLocks noChangeAspect="1"/>
+          </p:cNvPicPr>
+          <p:nvPr/>
+        </p:nvPicPr>
+        <p:blipFill>
+          <a:blip r:embed="rId3"/>
+          <a:stretch>
+            <a:fillRect/>
+          </a:stretch>
+        </p:blipFill>
+        <p:spPr>
+          <a:xfrm>
+            <a:off x="5405120" y="1605281"/>
+            <a:ext cx="6586370" cy="4200578"/>
+          </a:xfrm>
+          <a:prstGeom prst="rect">
+            <a:avLst/>
+          </a:prstGeom>
+        </p:spPr>
+      </p:pic>
     </p:spTree>
     <p:extLst>
       <p:ext uri="{BB962C8B-B14F-4D97-AF65-F5344CB8AC3E}">
@@ -6840,14 +7098,14 @@
             <p:ph sz="half" idx="1"/>
             <p:extLst>
               <p:ext uri="{D42A27DB-BD31-4B8C-83A1-F6EECF244321}">
-                <p14:modId xmlns:p14="http://schemas.microsoft.com/office/powerpoint/2010/main" val="4249733536"/>
+                <p14:modId xmlns:p14="http://schemas.microsoft.com/office/powerpoint/2010/main" val="1883854779"/>
               </p:ext>
             </p:extLst>
           </p:nvPr>
         </p:nvGraphicFramePr>
         <p:xfrm>
-          <a:off x="1096963" y="2120900"/>
-          <a:ext cx="4640264" cy="3337560"/>
+          <a:off x="433952" y="2120899"/>
+          <a:ext cx="5501897" cy="3969152"/>
         </p:xfrm>
         <a:graphic>
           <a:graphicData uri="http://schemas.openxmlformats.org/drawingml/2006/table">
@@ -6856,56 +7114,56 @@
                 <a:tableStyleId>{5C22544A-7EE6-4342-B048-85BDC9FD1C3A}</a:tableStyleId>
               </a:tblPr>
               <a:tblGrid>
-                <a:gridCol w="580033">
+                <a:gridCol w="519569">
                   <a:extLst>
                     <a:ext uri="{9D8B030D-6E8A-4147-A177-3AD203B41FA5}">
                       <a16:colId xmlns:a16="http://schemas.microsoft.com/office/drawing/2014/main" val="3084287921"/>
                     </a:ext>
                   </a:extLst>
                 </a:gridCol>
-                <a:gridCol w="580033">
+                <a:gridCol w="929523">
                   <a:extLst>
                     <a:ext uri="{9D8B030D-6E8A-4147-A177-3AD203B41FA5}">
                       <a16:colId xmlns:a16="http://schemas.microsoft.com/office/drawing/2014/main" val="2965966194"/>
                     </a:ext>
                   </a:extLst>
                 </a:gridCol>
-                <a:gridCol w="580033">
+                <a:gridCol w="614120">
                   <a:extLst>
                     <a:ext uri="{9D8B030D-6E8A-4147-A177-3AD203B41FA5}">
                       <a16:colId xmlns:a16="http://schemas.microsoft.com/office/drawing/2014/main" val="929399704"/>
                     </a:ext>
                   </a:extLst>
                 </a:gridCol>
-                <a:gridCol w="580033">
+                <a:gridCol w="687737">
                   <a:extLst>
                     <a:ext uri="{9D8B030D-6E8A-4147-A177-3AD203B41FA5}">
                       <a16:colId xmlns:a16="http://schemas.microsoft.com/office/drawing/2014/main" val="2550544791"/>
                     </a:ext>
                   </a:extLst>
                 </a:gridCol>
-                <a:gridCol w="580033">
+                <a:gridCol w="687737">
                   <a:extLst>
                     <a:ext uri="{9D8B030D-6E8A-4147-A177-3AD203B41FA5}">
                       <a16:colId xmlns:a16="http://schemas.microsoft.com/office/drawing/2014/main" val="1354465808"/>
                     </a:ext>
                   </a:extLst>
                 </a:gridCol>
-                <a:gridCol w="580033">
+                <a:gridCol w="687737">
                   <a:extLst>
                     <a:ext uri="{9D8B030D-6E8A-4147-A177-3AD203B41FA5}">
                       <a16:colId xmlns:a16="http://schemas.microsoft.com/office/drawing/2014/main" val="535932972"/>
                     </a:ext>
                   </a:extLst>
                 </a:gridCol>
-                <a:gridCol w="580033">
+                <a:gridCol w="687737">
                   <a:extLst>
                     <a:ext uri="{9D8B030D-6E8A-4147-A177-3AD203B41FA5}">
                       <a16:colId xmlns:a16="http://schemas.microsoft.com/office/drawing/2014/main" val="2632653017"/>
                     </a:ext>
                   </a:extLst>
                 </a:gridCol>
-                <a:gridCol w="580033">
+                <a:gridCol w="687737">
                   <a:extLst>
                     <a:ext uri="{9D8B030D-6E8A-4147-A177-3AD203B41FA5}">
                       <a16:colId xmlns:a16="http://schemas.microsoft.com/office/drawing/2014/main" val="2903081770"/>
@@ -6913,7 +7171,7 @@
                   </a:extLst>
                 </a:gridCol>
               </a:tblGrid>
-              <a:tr h="370840">
+              <a:tr h="419129">
                 <a:tc gridSpan="8">
                   <a:txBody>
                     <a:bodyPr/>
@@ -7004,7 +7262,7 @@
                   </a:ext>
                 </a:extLst>
               </a:tr>
-              <a:tr h="370840">
+              <a:tr h="419129">
                 <a:tc>
                   <a:txBody>
                     <a:bodyPr/>
@@ -7211,7 +7469,7 @@
                   </a:ext>
                 </a:extLst>
               </a:tr>
-              <a:tr h="370840">
+              <a:tr h="616120">
                 <a:tc>
                   <a:txBody>
                     <a:bodyPr/>
@@ -7243,67 +7501,95 @@
                     <a:bodyPr/>
                     <a:lstStyle/>
                     <a:p>
-                      <a:endParaRPr lang="en-IL"/>
-                    </a:p>
-                  </a:txBody>
-                  <a:tcPr/>
-                </a:tc>
-                <a:tc>
-                  <a:txBody>
-                    <a:bodyPr/>
-                    <a:lstStyle/>
-                    <a:p>
-                      <a:endParaRPr lang="en-IL"/>
-                    </a:p>
-                  </a:txBody>
-                  <a:tcPr/>
-                </a:tc>
-                <a:tc>
-                  <a:txBody>
-                    <a:bodyPr/>
-                    <a:lstStyle/>
-                    <a:p>
-                      <a:endParaRPr lang="en-IL"/>
-                    </a:p>
-                  </a:txBody>
-                  <a:tcPr/>
-                </a:tc>
-                <a:tc>
-                  <a:txBody>
-                    <a:bodyPr/>
-                    <a:lstStyle/>
-                    <a:p>
-                      <a:endParaRPr lang="en-IL"/>
-                    </a:p>
-                  </a:txBody>
-                  <a:tcPr/>
-                </a:tc>
-                <a:tc>
-                  <a:txBody>
-                    <a:bodyPr/>
-                    <a:lstStyle/>
-                    <a:p>
-                      <a:endParaRPr lang="en-IL"/>
-                    </a:p>
-                  </a:txBody>
-                  <a:tcPr/>
-                </a:tc>
-                <a:tc>
-                  <a:txBody>
-                    <a:bodyPr/>
-                    <a:lstStyle/>
-                    <a:p>
-                      <a:endParaRPr lang="en-IL"/>
-                    </a:p>
-                  </a:txBody>
-                  <a:tcPr/>
-                </a:tc>
-                <a:tc>
-                  <a:txBody>
-                    <a:bodyPr/>
-                    <a:lstStyle/>
-                    <a:p>
-                      <a:endParaRPr lang="en-IL"/>
+                      <a:r>
+                        <a:rPr lang="en-US" dirty="0"/>
+                        <a:t>16542</a:t>
+                      </a:r>
+                      <a:endParaRPr lang="en-IL" dirty="0"/>
+                    </a:p>
+                  </a:txBody>
+                  <a:tcPr/>
+                </a:tc>
+                <a:tc>
+                  <a:txBody>
+                    <a:bodyPr/>
+                    <a:lstStyle/>
+                    <a:p>
+                      <a:r>
+                        <a:rPr lang="en-US" dirty="0"/>
+                        <a:t>16</a:t>
+                      </a:r>
+                      <a:endParaRPr lang="en-IL" dirty="0"/>
+                    </a:p>
+                  </a:txBody>
+                  <a:tcPr/>
+                </a:tc>
+                <a:tc>
+                  <a:txBody>
+                    <a:bodyPr/>
+                    <a:lstStyle/>
+                    <a:p>
+                      <a:r>
+                        <a:rPr lang="en-US" dirty="0"/>
+                        <a:t>11</a:t>
+                      </a:r>
+                      <a:endParaRPr lang="en-IL" dirty="0"/>
+                    </a:p>
+                  </a:txBody>
+                  <a:tcPr/>
+                </a:tc>
+                <a:tc>
+                  <a:txBody>
+                    <a:bodyPr/>
+                    <a:lstStyle/>
+                    <a:p>
+                      <a:r>
+                        <a:rPr lang="en-US" dirty="0"/>
+                        <a:t>20</a:t>
+                      </a:r>
+                      <a:endParaRPr lang="en-IL" dirty="0"/>
+                    </a:p>
+                  </a:txBody>
+                  <a:tcPr/>
+                </a:tc>
+                <a:tc>
+                  <a:txBody>
+                    <a:bodyPr/>
+                    <a:lstStyle/>
+                    <a:p>
+                      <a:r>
+                        <a:rPr lang="en-US" dirty="0"/>
+                        <a:t>16</a:t>
+                      </a:r>
+                      <a:endParaRPr lang="en-IL" dirty="0"/>
+                    </a:p>
+                  </a:txBody>
+                  <a:tcPr/>
+                </a:tc>
+                <a:tc>
+                  <a:txBody>
+                    <a:bodyPr/>
+                    <a:lstStyle/>
+                    <a:p>
+                      <a:r>
+                        <a:rPr lang="en-US" dirty="0"/>
+                        <a:t>24</a:t>
+                      </a:r>
+                      <a:endParaRPr lang="en-IL" dirty="0"/>
+                    </a:p>
+                  </a:txBody>
+                  <a:tcPr/>
+                </a:tc>
+                <a:tc>
+                  <a:txBody>
+                    <a:bodyPr/>
+                    <a:lstStyle/>
+                    <a:p>
+                      <a:r>
+                        <a:rPr lang="en-US" dirty="0"/>
+                        <a:t>35</a:t>
+                      </a:r>
+                      <a:endParaRPr lang="en-IL" dirty="0"/>
                     </a:p>
                   </a:txBody>
                   <a:tcPr/>
@@ -7314,7 +7600,7 @@
                   </a:ext>
                 </a:extLst>
               </a:tr>
-              <a:tr h="370840">
+              <a:tr h="419129">
                 <a:tc>
                   <a:txBody>
                     <a:bodyPr/>
@@ -7346,67 +7632,95 @@
                     <a:bodyPr/>
                     <a:lstStyle/>
                     <a:p>
-                      <a:endParaRPr lang="en-IL" dirty="0"/>
-                    </a:p>
-                  </a:txBody>
-                  <a:tcPr/>
-                </a:tc>
-                <a:tc>
-                  <a:txBody>
-                    <a:bodyPr/>
-                    <a:lstStyle/>
-                    <a:p>
-                      <a:endParaRPr lang="en-IL"/>
-                    </a:p>
-                  </a:txBody>
-                  <a:tcPr/>
-                </a:tc>
-                <a:tc>
-                  <a:txBody>
-                    <a:bodyPr/>
-                    <a:lstStyle/>
-                    <a:p>
-                      <a:endParaRPr lang="en-IL" dirty="0"/>
-                    </a:p>
-                  </a:txBody>
-                  <a:tcPr/>
-                </a:tc>
-                <a:tc>
-                  <a:txBody>
-                    <a:bodyPr/>
-                    <a:lstStyle/>
-                    <a:p>
-                      <a:endParaRPr lang="en-IL" dirty="0"/>
-                    </a:p>
-                  </a:txBody>
-                  <a:tcPr/>
-                </a:tc>
-                <a:tc>
-                  <a:txBody>
-                    <a:bodyPr/>
-                    <a:lstStyle/>
-                    <a:p>
-                      <a:endParaRPr lang="en-IL"/>
-                    </a:p>
-                  </a:txBody>
-                  <a:tcPr/>
-                </a:tc>
-                <a:tc>
-                  <a:txBody>
-                    <a:bodyPr/>
-                    <a:lstStyle/>
-                    <a:p>
-                      <a:endParaRPr lang="en-IL"/>
-                    </a:p>
-                  </a:txBody>
-                  <a:tcPr/>
-                </a:tc>
-                <a:tc>
-                  <a:txBody>
-                    <a:bodyPr/>
-                    <a:lstStyle/>
-                    <a:p>
-                      <a:endParaRPr lang="en-IL"/>
+                      <a:r>
+                        <a:rPr lang="en-US" dirty="0"/>
+                        <a:t>123</a:t>
+                      </a:r>
+                      <a:endParaRPr lang="en-IL" dirty="0"/>
+                    </a:p>
+                  </a:txBody>
+                  <a:tcPr/>
+                </a:tc>
+                <a:tc>
+                  <a:txBody>
+                    <a:bodyPr/>
+                    <a:lstStyle/>
+                    <a:p>
+                      <a:r>
+                        <a:rPr lang="en-US" dirty="0"/>
+                        <a:t>5</a:t>
+                      </a:r>
+                      <a:endParaRPr lang="en-IL" dirty="0"/>
+                    </a:p>
+                  </a:txBody>
+                  <a:tcPr/>
+                </a:tc>
+                <a:tc>
+                  <a:txBody>
+                    <a:bodyPr/>
+                    <a:lstStyle/>
+                    <a:p>
+                      <a:r>
+                        <a:rPr lang="en-US" dirty="0"/>
+                        <a:t>6</a:t>
+                      </a:r>
+                      <a:endParaRPr lang="en-IL" dirty="0"/>
+                    </a:p>
+                  </a:txBody>
+                  <a:tcPr/>
+                </a:tc>
+                <a:tc>
+                  <a:txBody>
+                    <a:bodyPr/>
+                    <a:lstStyle/>
+                    <a:p>
+                      <a:r>
+                        <a:rPr lang="en-US" dirty="0"/>
+                        <a:t>4</a:t>
+                      </a:r>
+                      <a:endParaRPr lang="en-IL" dirty="0"/>
+                    </a:p>
+                  </a:txBody>
+                  <a:tcPr/>
+                </a:tc>
+                <a:tc>
+                  <a:txBody>
+                    <a:bodyPr/>
+                    <a:lstStyle/>
+                    <a:p>
+                      <a:r>
+                        <a:rPr lang="en-US" dirty="0"/>
+                        <a:t>1</a:t>
+                      </a:r>
+                      <a:endParaRPr lang="en-IL" dirty="0"/>
+                    </a:p>
+                  </a:txBody>
+                  <a:tcPr/>
+                </a:tc>
+                <a:tc>
+                  <a:txBody>
+                    <a:bodyPr/>
+                    <a:lstStyle/>
+                    <a:p>
+                      <a:r>
+                        <a:rPr lang="en-US" dirty="0"/>
+                        <a:t>10</a:t>
+                      </a:r>
+                      <a:endParaRPr lang="en-IL" dirty="0"/>
+                    </a:p>
+                  </a:txBody>
+                  <a:tcPr/>
+                </a:tc>
+                <a:tc>
+                  <a:txBody>
+                    <a:bodyPr/>
+                    <a:lstStyle/>
+                    <a:p>
+                      <a:r>
+                        <a:rPr lang="en-US" dirty="0"/>
+                        <a:t>24</a:t>
+                      </a:r>
+                      <a:endParaRPr lang="en-IL" dirty="0"/>
                     </a:p>
                   </a:txBody>
                   <a:tcPr/>
@@ -7417,7 +7731,7 @@
                   </a:ext>
                 </a:extLst>
               </a:tr>
-              <a:tr h="370840">
+              <a:tr h="419129">
                 <a:tc>
                   <a:txBody>
                     <a:bodyPr/>
@@ -7449,67 +7763,95 @@
                     <a:bodyPr/>
                     <a:lstStyle/>
                     <a:p>
-                      <a:endParaRPr lang="en-IL" dirty="0"/>
-                    </a:p>
-                  </a:txBody>
-                  <a:tcPr/>
-                </a:tc>
-                <a:tc>
-                  <a:txBody>
-                    <a:bodyPr/>
-                    <a:lstStyle/>
-                    <a:p>
-                      <a:endParaRPr lang="en-IL"/>
-                    </a:p>
-                  </a:txBody>
-                  <a:tcPr/>
-                </a:tc>
-                <a:tc>
-                  <a:txBody>
-                    <a:bodyPr/>
-                    <a:lstStyle/>
-                    <a:p>
-                      <a:endParaRPr lang="en-IL" dirty="0"/>
-                    </a:p>
-                  </a:txBody>
-                  <a:tcPr/>
-                </a:tc>
-                <a:tc>
-                  <a:txBody>
-                    <a:bodyPr/>
-                    <a:lstStyle/>
-                    <a:p>
-                      <a:endParaRPr lang="en-IL"/>
-                    </a:p>
-                  </a:txBody>
-                  <a:tcPr/>
-                </a:tc>
-                <a:tc>
-                  <a:txBody>
-                    <a:bodyPr/>
-                    <a:lstStyle/>
-                    <a:p>
-                      <a:endParaRPr lang="en-IL" dirty="0"/>
-                    </a:p>
-                  </a:txBody>
-                  <a:tcPr/>
-                </a:tc>
-                <a:tc>
-                  <a:txBody>
-                    <a:bodyPr/>
-                    <a:lstStyle/>
-                    <a:p>
-                      <a:endParaRPr lang="en-IL"/>
-                    </a:p>
-                  </a:txBody>
-                  <a:tcPr/>
-                </a:tc>
-                <a:tc>
-                  <a:txBody>
-                    <a:bodyPr/>
-                    <a:lstStyle/>
-                    <a:p>
-                      <a:endParaRPr lang="en-IL"/>
+                      <a:r>
+                        <a:rPr lang="en-US" dirty="0"/>
+                        <a:t>113</a:t>
+                      </a:r>
+                      <a:endParaRPr lang="en-IL" dirty="0"/>
+                    </a:p>
+                  </a:txBody>
+                  <a:tcPr/>
+                </a:tc>
+                <a:tc>
+                  <a:txBody>
+                    <a:bodyPr/>
+                    <a:lstStyle/>
+                    <a:p>
+                      <a:r>
+                        <a:rPr lang="en-US" dirty="0"/>
+                        <a:t>7</a:t>
+                      </a:r>
+                      <a:endParaRPr lang="en-IL" dirty="0"/>
+                    </a:p>
+                  </a:txBody>
+                  <a:tcPr/>
+                </a:tc>
+                <a:tc>
+                  <a:txBody>
+                    <a:bodyPr/>
+                    <a:lstStyle/>
+                    <a:p>
+                      <a:r>
+                        <a:rPr lang="en-US" dirty="0"/>
+                        <a:t>8</a:t>
+                      </a:r>
+                      <a:endParaRPr lang="en-IL" dirty="0"/>
+                    </a:p>
+                  </a:txBody>
+                  <a:tcPr/>
+                </a:tc>
+                <a:tc>
+                  <a:txBody>
+                    <a:bodyPr/>
+                    <a:lstStyle/>
+                    <a:p>
+                      <a:r>
+                        <a:rPr lang="en-US" dirty="0"/>
+                        <a:t>7</a:t>
+                      </a:r>
+                      <a:endParaRPr lang="en-IL" dirty="0"/>
+                    </a:p>
+                  </a:txBody>
+                  <a:tcPr/>
+                </a:tc>
+                <a:tc>
+                  <a:txBody>
+                    <a:bodyPr/>
+                    <a:lstStyle/>
+                    <a:p>
+                      <a:r>
+                        <a:rPr lang="en-US" dirty="0"/>
+                        <a:t>7</a:t>
+                      </a:r>
+                      <a:endParaRPr lang="en-IL" dirty="0"/>
+                    </a:p>
+                  </a:txBody>
+                  <a:tcPr/>
+                </a:tc>
+                <a:tc>
+                  <a:txBody>
+                    <a:bodyPr/>
+                    <a:lstStyle/>
+                    <a:p>
+                      <a:r>
+                        <a:rPr lang="en-US" dirty="0"/>
+                        <a:t>6</a:t>
+                      </a:r>
+                      <a:endParaRPr lang="en-IL" dirty="0"/>
+                    </a:p>
+                  </a:txBody>
+                  <a:tcPr/>
+                </a:tc>
+                <a:tc>
+                  <a:txBody>
+                    <a:bodyPr/>
+                    <a:lstStyle/>
+                    <a:p>
+                      <a:r>
+                        <a:rPr lang="en-US" dirty="0"/>
+                        <a:t>21</a:t>
+                      </a:r>
+                      <a:endParaRPr lang="en-IL" dirty="0"/>
                     </a:p>
                   </a:txBody>
                   <a:tcPr/>
@@ -7520,7 +7862,7 @@
                   </a:ext>
                 </a:extLst>
               </a:tr>
-              <a:tr h="370840">
+              <a:tr h="419129">
                 <a:tc>
                   <a:txBody>
                     <a:bodyPr/>
@@ -7552,67 +7894,95 @@
                     <a:bodyPr/>
                     <a:lstStyle/>
                     <a:p>
-                      <a:endParaRPr lang="en-IL"/>
-                    </a:p>
-                  </a:txBody>
-                  <a:tcPr/>
-                </a:tc>
-                <a:tc>
-                  <a:txBody>
-                    <a:bodyPr/>
-                    <a:lstStyle/>
-                    <a:p>
-                      <a:endParaRPr lang="en-IL"/>
-                    </a:p>
-                  </a:txBody>
-                  <a:tcPr/>
-                </a:tc>
-                <a:tc>
-                  <a:txBody>
-                    <a:bodyPr/>
-                    <a:lstStyle/>
-                    <a:p>
-                      <a:endParaRPr lang="en-IL"/>
-                    </a:p>
-                  </a:txBody>
-                  <a:tcPr/>
-                </a:tc>
-                <a:tc>
-                  <a:txBody>
-                    <a:bodyPr/>
-                    <a:lstStyle/>
-                    <a:p>
-                      <a:endParaRPr lang="en-IL" dirty="0"/>
-                    </a:p>
-                  </a:txBody>
-                  <a:tcPr/>
-                </a:tc>
-                <a:tc>
-                  <a:txBody>
-                    <a:bodyPr/>
-                    <a:lstStyle/>
-                    <a:p>
-                      <a:endParaRPr lang="en-IL"/>
-                    </a:p>
-                  </a:txBody>
-                  <a:tcPr/>
-                </a:tc>
-                <a:tc>
-                  <a:txBody>
-                    <a:bodyPr/>
-                    <a:lstStyle/>
-                    <a:p>
-                      <a:endParaRPr lang="en-IL"/>
-                    </a:p>
-                  </a:txBody>
-                  <a:tcPr/>
-                </a:tc>
-                <a:tc>
-                  <a:txBody>
-                    <a:bodyPr/>
-                    <a:lstStyle/>
-                    <a:p>
-                      <a:endParaRPr lang="en-IL"/>
+                      <a:r>
+                        <a:rPr lang="en-US" dirty="0"/>
+                        <a:t>97</a:t>
+                      </a:r>
+                      <a:endParaRPr lang="en-IL" dirty="0"/>
+                    </a:p>
+                  </a:txBody>
+                  <a:tcPr/>
+                </a:tc>
+                <a:tc>
+                  <a:txBody>
+                    <a:bodyPr/>
+                    <a:lstStyle/>
+                    <a:p>
+                      <a:r>
+                        <a:rPr lang="en-US" dirty="0"/>
+                        <a:t>0</a:t>
+                      </a:r>
+                      <a:endParaRPr lang="en-IL" dirty="0"/>
+                    </a:p>
+                  </a:txBody>
+                  <a:tcPr/>
+                </a:tc>
+                <a:tc>
+                  <a:txBody>
+                    <a:bodyPr/>
+                    <a:lstStyle/>
+                    <a:p>
+                      <a:r>
+                        <a:rPr lang="en-US" dirty="0"/>
+                        <a:t>1</a:t>
+                      </a:r>
+                      <a:endParaRPr lang="en-IL" dirty="0"/>
+                    </a:p>
+                  </a:txBody>
+                  <a:tcPr/>
+                </a:tc>
+                <a:tc>
+                  <a:txBody>
+                    <a:bodyPr/>
+                    <a:lstStyle/>
+                    <a:p>
+                      <a:r>
+                        <a:rPr lang="en-US" dirty="0"/>
+                        <a:t>53</a:t>
+                      </a:r>
+                      <a:endParaRPr lang="en-IL" dirty="0"/>
+                    </a:p>
+                  </a:txBody>
+                  <a:tcPr/>
+                </a:tc>
+                <a:tc>
+                  <a:txBody>
+                    <a:bodyPr/>
+                    <a:lstStyle/>
+                    <a:p>
+                      <a:r>
+                        <a:rPr lang="en-US" dirty="0"/>
+                        <a:t>16</a:t>
+                      </a:r>
+                      <a:endParaRPr lang="en-IL" dirty="0"/>
+                    </a:p>
+                  </a:txBody>
+                  <a:tcPr/>
+                </a:tc>
+                <a:tc>
+                  <a:txBody>
+                    <a:bodyPr/>
+                    <a:lstStyle/>
+                    <a:p>
+                      <a:r>
+                        <a:rPr lang="en-US" dirty="0"/>
+                        <a:t>0</a:t>
+                      </a:r>
+                      <a:endParaRPr lang="en-IL" dirty="0"/>
+                    </a:p>
+                  </a:txBody>
+                  <a:tcPr/>
+                </a:tc>
+                <a:tc>
+                  <a:txBody>
+                    <a:bodyPr/>
+                    <a:lstStyle/>
+                    <a:p>
+                      <a:r>
+                        <a:rPr lang="en-US" dirty="0"/>
+                        <a:t>28</a:t>
+                      </a:r>
+                      <a:endParaRPr lang="en-IL" dirty="0"/>
                     </a:p>
                   </a:txBody>
                   <a:tcPr/>
@@ -7623,7 +7993,7 @@
                   </a:ext>
                 </a:extLst>
               </a:tr>
-              <a:tr h="370840">
+              <a:tr h="419129">
                 <a:tc>
                   <a:txBody>
                     <a:bodyPr/>
@@ -7655,66 +8025,94 @@
                     <a:bodyPr/>
                     <a:lstStyle/>
                     <a:p>
-                      <a:endParaRPr lang="en-IL"/>
-                    </a:p>
-                  </a:txBody>
-                  <a:tcPr/>
-                </a:tc>
-                <a:tc>
-                  <a:txBody>
-                    <a:bodyPr/>
-                    <a:lstStyle/>
-                    <a:p>
-                      <a:endParaRPr lang="en-IL" dirty="0"/>
-                    </a:p>
-                  </a:txBody>
-                  <a:tcPr/>
-                </a:tc>
-                <a:tc>
-                  <a:txBody>
-                    <a:bodyPr/>
-                    <a:lstStyle/>
-                    <a:p>
-                      <a:endParaRPr lang="en-IL"/>
-                    </a:p>
-                  </a:txBody>
-                  <a:tcPr/>
-                </a:tc>
-                <a:tc>
-                  <a:txBody>
-                    <a:bodyPr/>
-                    <a:lstStyle/>
-                    <a:p>
-                      <a:endParaRPr lang="en-IL" dirty="0"/>
-                    </a:p>
-                  </a:txBody>
-                  <a:tcPr/>
-                </a:tc>
-                <a:tc>
-                  <a:txBody>
-                    <a:bodyPr/>
-                    <a:lstStyle/>
-                    <a:p>
-                      <a:endParaRPr lang="en-IL" dirty="0"/>
-                    </a:p>
-                  </a:txBody>
-                  <a:tcPr/>
-                </a:tc>
-                <a:tc>
-                  <a:txBody>
-                    <a:bodyPr/>
-                    <a:lstStyle/>
-                    <a:p>
-                      <a:endParaRPr lang="en-IL" dirty="0"/>
-                    </a:p>
-                  </a:txBody>
-                  <a:tcPr/>
-                </a:tc>
-                <a:tc>
-                  <a:txBody>
-                    <a:bodyPr/>
-                    <a:lstStyle/>
-                    <a:p>
+                      <a:r>
+                        <a:rPr lang="en-US" dirty="0"/>
+                        <a:t>45</a:t>
+                      </a:r>
+                      <a:endParaRPr lang="en-IL" dirty="0"/>
+                    </a:p>
+                  </a:txBody>
+                  <a:tcPr/>
+                </a:tc>
+                <a:tc>
+                  <a:txBody>
+                    <a:bodyPr/>
+                    <a:lstStyle/>
+                    <a:p>
+                      <a:r>
+                        <a:rPr lang="en-US" dirty="0"/>
+                        <a:t>1</a:t>
+                      </a:r>
+                      <a:endParaRPr lang="en-IL" dirty="0"/>
+                    </a:p>
+                  </a:txBody>
+                  <a:tcPr/>
+                </a:tc>
+                <a:tc>
+                  <a:txBody>
+                    <a:bodyPr/>
+                    <a:lstStyle/>
+                    <a:p>
+                      <a:r>
+                        <a:rPr lang="en-US" dirty="0"/>
+                        <a:t>1</a:t>
+                      </a:r>
+                      <a:endParaRPr lang="en-IL" dirty="0"/>
+                    </a:p>
+                  </a:txBody>
+                  <a:tcPr/>
+                </a:tc>
+                <a:tc>
+                  <a:txBody>
+                    <a:bodyPr/>
+                    <a:lstStyle/>
+                    <a:p>
+                      <a:r>
+                        <a:rPr lang="en-US" dirty="0"/>
+                        <a:t>25</a:t>
+                      </a:r>
+                      <a:endParaRPr lang="en-IL" dirty="0"/>
+                    </a:p>
+                  </a:txBody>
+                  <a:tcPr/>
+                </a:tc>
+                <a:tc>
+                  <a:txBody>
+                    <a:bodyPr/>
+                    <a:lstStyle/>
+                    <a:p>
+                      <a:r>
+                        <a:rPr lang="en-US" dirty="0"/>
+                        <a:t>14</a:t>
+                      </a:r>
+                      <a:endParaRPr lang="en-IL" dirty="0"/>
+                    </a:p>
+                  </a:txBody>
+                  <a:tcPr/>
+                </a:tc>
+                <a:tc>
+                  <a:txBody>
+                    <a:bodyPr/>
+                    <a:lstStyle/>
+                    <a:p>
+                      <a:r>
+                        <a:rPr lang="en-US" dirty="0"/>
+                        <a:t>4</a:t>
+                      </a:r>
+                      <a:endParaRPr lang="en-IL" dirty="0"/>
+                    </a:p>
+                  </a:txBody>
+                  <a:tcPr/>
+                </a:tc>
+                <a:tc>
+                  <a:txBody>
+                    <a:bodyPr/>
+                    <a:lstStyle/>
+                    <a:p>
+                      <a:r>
+                        <a:rPr lang="en-US" dirty="0"/>
+                        <a:t>28</a:t>
+                      </a:r>
                       <a:endParaRPr lang="en-IL" dirty="0"/>
                     </a:p>
                   </a:txBody>
@@ -7726,7 +8124,7 @@
                   </a:ext>
                 </a:extLst>
               </a:tr>
-              <a:tr h="370840">
+              <a:tr h="419129">
                 <a:tc>
                   <a:txBody>
                     <a:bodyPr/>
@@ -7758,66 +8156,94 @@
                     <a:bodyPr/>
                     <a:lstStyle/>
                     <a:p>
-                      <a:endParaRPr lang="en-IL" dirty="0"/>
-                    </a:p>
-                  </a:txBody>
-                  <a:tcPr/>
-                </a:tc>
-                <a:tc>
-                  <a:txBody>
-                    <a:bodyPr/>
-                    <a:lstStyle/>
-                    <a:p>
-                      <a:endParaRPr lang="en-IL" dirty="0"/>
-                    </a:p>
-                  </a:txBody>
-                  <a:tcPr/>
-                </a:tc>
-                <a:tc>
-                  <a:txBody>
-                    <a:bodyPr/>
-                    <a:lstStyle/>
-                    <a:p>
-                      <a:endParaRPr lang="en-IL" dirty="0"/>
-                    </a:p>
-                  </a:txBody>
-                  <a:tcPr/>
-                </a:tc>
-                <a:tc>
-                  <a:txBody>
-                    <a:bodyPr/>
-                    <a:lstStyle/>
-                    <a:p>
-                      <a:endParaRPr lang="en-IL" dirty="0"/>
-                    </a:p>
-                  </a:txBody>
-                  <a:tcPr/>
-                </a:tc>
-                <a:tc>
-                  <a:txBody>
-                    <a:bodyPr/>
-                    <a:lstStyle/>
-                    <a:p>
-                      <a:endParaRPr lang="en-IL" dirty="0"/>
-                    </a:p>
-                  </a:txBody>
-                  <a:tcPr/>
-                </a:tc>
-                <a:tc>
-                  <a:txBody>
-                    <a:bodyPr/>
-                    <a:lstStyle/>
-                    <a:p>
-                      <a:endParaRPr lang="en-IL" dirty="0"/>
-                    </a:p>
-                  </a:txBody>
-                  <a:tcPr/>
-                </a:tc>
-                <a:tc>
-                  <a:txBody>
-                    <a:bodyPr/>
-                    <a:lstStyle/>
-                    <a:p>
+                      <a:r>
+                        <a:rPr lang="en-US" dirty="0"/>
+                        <a:t>110</a:t>
+                      </a:r>
+                      <a:endParaRPr lang="en-IL" dirty="0"/>
+                    </a:p>
+                  </a:txBody>
+                  <a:tcPr/>
+                </a:tc>
+                <a:tc>
+                  <a:txBody>
+                    <a:bodyPr/>
+                    <a:lstStyle/>
+                    <a:p>
+                      <a:r>
+                        <a:rPr lang="en-US" dirty="0"/>
+                        <a:t>2</a:t>
+                      </a:r>
+                      <a:endParaRPr lang="en-IL" dirty="0"/>
+                    </a:p>
+                  </a:txBody>
+                  <a:tcPr/>
+                </a:tc>
+                <a:tc>
+                  <a:txBody>
+                    <a:bodyPr/>
+                    <a:lstStyle/>
+                    <a:p>
+                      <a:r>
+                        <a:rPr lang="en-US" dirty="0"/>
+                        <a:t>0</a:t>
+                      </a:r>
+                      <a:endParaRPr lang="en-IL" dirty="0"/>
+                    </a:p>
+                  </a:txBody>
+                  <a:tcPr/>
+                </a:tc>
+                <a:tc>
+                  <a:txBody>
+                    <a:bodyPr/>
+                    <a:lstStyle/>
+                    <a:p>
+                      <a:r>
+                        <a:rPr lang="en-US" dirty="0"/>
+                        <a:t>6</a:t>
+                      </a:r>
+                      <a:endParaRPr lang="en-IL" dirty="0"/>
+                    </a:p>
+                  </a:txBody>
+                  <a:tcPr/>
+                </a:tc>
+                <a:tc>
+                  <a:txBody>
+                    <a:bodyPr/>
+                    <a:lstStyle/>
+                    <a:p>
+                      <a:r>
+                        <a:rPr lang="en-US" dirty="0"/>
+                        <a:t>6</a:t>
+                      </a:r>
+                      <a:endParaRPr lang="en-IL" dirty="0"/>
+                    </a:p>
+                  </a:txBody>
+                  <a:tcPr/>
+                </a:tc>
+                <a:tc>
+                  <a:txBody>
+                    <a:bodyPr/>
+                    <a:lstStyle/>
+                    <a:p>
+                      <a:r>
+                        <a:rPr lang="en-US" dirty="0"/>
+                        <a:t>18</a:t>
+                      </a:r>
+                      <a:endParaRPr lang="en-IL" dirty="0"/>
+                    </a:p>
+                  </a:txBody>
+                  <a:tcPr/>
+                </a:tc>
+                <a:tc>
+                  <a:txBody>
+                    <a:bodyPr/>
+                    <a:lstStyle/>
+                    <a:p>
+                      <a:r>
+                        <a:rPr lang="en-US" dirty="0"/>
+                        <a:t>33</a:t>
+                      </a:r>
                       <a:endParaRPr lang="en-IL" dirty="0"/>
                     </a:p>
                   </a:txBody>
@@ -7829,7 +8255,7 @@
                   </a:ext>
                 </a:extLst>
               </a:tr>
-              <a:tr h="370840">
+              <a:tr h="419129">
                 <a:tc>
                   <a:txBody>
                     <a:bodyPr/>
@@ -7861,66 +8287,94 @@
                     <a:bodyPr/>
                     <a:lstStyle/>
                     <a:p>
-                      <a:endParaRPr lang="en-IL" dirty="0"/>
-                    </a:p>
-                  </a:txBody>
-                  <a:tcPr/>
-                </a:tc>
-                <a:tc>
-                  <a:txBody>
-                    <a:bodyPr/>
-                    <a:lstStyle/>
-                    <a:p>
-                      <a:endParaRPr lang="en-IL" dirty="0"/>
-                    </a:p>
-                  </a:txBody>
-                  <a:tcPr/>
-                </a:tc>
-                <a:tc>
-                  <a:txBody>
-                    <a:bodyPr/>
-                    <a:lstStyle/>
-                    <a:p>
-                      <a:endParaRPr lang="en-IL" dirty="0"/>
-                    </a:p>
-                  </a:txBody>
-                  <a:tcPr/>
-                </a:tc>
-                <a:tc>
-                  <a:txBody>
-                    <a:bodyPr/>
-                    <a:lstStyle/>
-                    <a:p>
-                      <a:endParaRPr lang="en-IL" dirty="0"/>
-                    </a:p>
-                  </a:txBody>
-                  <a:tcPr/>
-                </a:tc>
-                <a:tc>
-                  <a:txBody>
-                    <a:bodyPr/>
-                    <a:lstStyle/>
-                    <a:p>
-                      <a:endParaRPr lang="en-IL" dirty="0"/>
-                    </a:p>
-                  </a:txBody>
-                  <a:tcPr/>
-                </a:tc>
-                <a:tc>
-                  <a:txBody>
-                    <a:bodyPr/>
-                    <a:lstStyle/>
-                    <a:p>
-                      <a:endParaRPr lang="en-IL" dirty="0"/>
-                    </a:p>
-                  </a:txBody>
-                  <a:tcPr/>
-                </a:tc>
-                <a:tc>
-                  <a:txBody>
-                    <a:bodyPr/>
-                    <a:lstStyle/>
-                    <a:p>
+                      <a:r>
+                        <a:rPr lang="en-US" dirty="0"/>
+                        <a:t>55</a:t>
+                      </a:r>
+                      <a:endParaRPr lang="en-IL" dirty="0"/>
+                    </a:p>
+                  </a:txBody>
+                  <a:tcPr/>
+                </a:tc>
+                <a:tc>
+                  <a:txBody>
+                    <a:bodyPr/>
+                    <a:lstStyle/>
+                    <a:p>
+                      <a:r>
+                        <a:rPr lang="en-US" dirty="0"/>
+                        <a:t>2</a:t>
+                      </a:r>
+                      <a:endParaRPr lang="en-IL" dirty="0"/>
+                    </a:p>
+                  </a:txBody>
+                  <a:tcPr/>
+                </a:tc>
+                <a:tc>
+                  <a:txBody>
+                    <a:bodyPr/>
+                    <a:lstStyle/>
+                    <a:p>
+                      <a:r>
+                        <a:rPr lang="en-US" dirty="0"/>
+                        <a:t>1</a:t>
+                      </a:r>
+                      <a:endParaRPr lang="en-IL" dirty="0"/>
+                    </a:p>
+                  </a:txBody>
+                  <a:tcPr/>
+                </a:tc>
+                <a:tc>
+                  <a:txBody>
+                    <a:bodyPr/>
+                    <a:lstStyle/>
+                    <a:p>
+                      <a:r>
+                        <a:rPr lang="en-US" dirty="0"/>
+                        <a:t>3</a:t>
+                      </a:r>
+                      <a:endParaRPr lang="en-IL" dirty="0"/>
+                    </a:p>
+                  </a:txBody>
+                  <a:tcPr/>
+                </a:tc>
+                <a:tc>
+                  <a:txBody>
+                    <a:bodyPr/>
+                    <a:lstStyle/>
+                    <a:p>
+                      <a:r>
+                        <a:rPr lang="en-US" dirty="0"/>
+                        <a:t>2</a:t>
+                      </a:r>
+                      <a:endParaRPr lang="en-IL" dirty="0"/>
+                    </a:p>
+                  </a:txBody>
+                  <a:tcPr/>
+                </a:tc>
+                <a:tc>
+                  <a:txBody>
+                    <a:bodyPr/>
+                    <a:lstStyle/>
+                    <a:p>
+                      <a:r>
+                        <a:rPr lang="en-US" dirty="0"/>
+                        <a:t>5</a:t>
+                      </a:r>
+                      <a:endParaRPr lang="en-IL" dirty="0"/>
+                    </a:p>
+                  </a:txBody>
+                  <a:tcPr/>
+                </a:tc>
+                <a:tc>
+                  <a:txBody>
+                    <a:bodyPr/>
+                    <a:lstStyle/>
+                    <a:p>
+                      <a:r>
+                        <a:rPr lang="en-US" dirty="0"/>
+                        <a:t>3</a:t>
+                      </a:r>
                       <a:endParaRPr lang="en-IL" dirty="0"/>
                     </a:p>
                   </a:txBody>
@@ -7951,14 +8405,14 @@
           <p:nvPr>
             <p:extLst>
               <p:ext uri="{D42A27DB-BD31-4B8C-83A1-F6EECF244321}">
-                <p14:modId xmlns:p14="http://schemas.microsoft.com/office/powerpoint/2010/main" val="2289400632"/>
+                <p14:modId xmlns:p14="http://schemas.microsoft.com/office/powerpoint/2010/main" val="609558616"/>
               </p:ext>
             </p:extLst>
           </p:nvPr>
         </p:nvGraphicFramePr>
         <p:xfrm>
           <a:off x="6454775" y="2120900"/>
-          <a:ext cx="4640264" cy="3337560"/>
+          <a:ext cx="5006224" cy="3969151"/>
         </p:xfrm>
         <a:graphic>
           <a:graphicData uri="http://schemas.openxmlformats.org/drawingml/2006/table">
@@ -7967,56 +8421,56 @@
                 <a:tableStyleId>{5C22544A-7EE6-4342-B048-85BDC9FD1C3A}</a:tableStyleId>
               </a:tblPr>
               <a:tblGrid>
-                <a:gridCol w="580033">
+                <a:gridCol w="627781">
                   <a:extLst>
                     <a:ext uri="{9D8B030D-6E8A-4147-A177-3AD203B41FA5}">
                       <a16:colId xmlns:a16="http://schemas.microsoft.com/office/drawing/2014/main" val="3084287921"/>
                     </a:ext>
                   </a:extLst>
                 </a:gridCol>
-                <a:gridCol w="580033">
+                <a:gridCol w="627781">
                   <a:extLst>
                     <a:ext uri="{9D8B030D-6E8A-4147-A177-3AD203B41FA5}">
                       <a16:colId xmlns:a16="http://schemas.microsoft.com/office/drawing/2014/main" val="2965966194"/>
                     </a:ext>
                   </a:extLst>
                 </a:gridCol>
-                <a:gridCol w="580033">
+                <a:gridCol w="627781">
                   <a:extLst>
                     <a:ext uri="{9D8B030D-6E8A-4147-A177-3AD203B41FA5}">
                       <a16:colId xmlns:a16="http://schemas.microsoft.com/office/drawing/2014/main" val="929399704"/>
                     </a:ext>
                   </a:extLst>
                 </a:gridCol>
-                <a:gridCol w="580033">
+                <a:gridCol w="627781">
                   <a:extLst>
                     <a:ext uri="{9D8B030D-6E8A-4147-A177-3AD203B41FA5}">
                       <a16:colId xmlns:a16="http://schemas.microsoft.com/office/drawing/2014/main" val="2550544791"/>
                     </a:ext>
                   </a:extLst>
                 </a:gridCol>
-                <a:gridCol w="580033">
+                <a:gridCol w="627781">
                   <a:extLst>
                     <a:ext uri="{9D8B030D-6E8A-4147-A177-3AD203B41FA5}">
                       <a16:colId xmlns:a16="http://schemas.microsoft.com/office/drawing/2014/main" val="1354465808"/>
                     </a:ext>
                   </a:extLst>
                 </a:gridCol>
-                <a:gridCol w="580033">
+                <a:gridCol w="627781">
                   <a:extLst>
                     <a:ext uri="{9D8B030D-6E8A-4147-A177-3AD203B41FA5}">
                       <a16:colId xmlns:a16="http://schemas.microsoft.com/office/drawing/2014/main" val="535932972"/>
                     </a:ext>
                   </a:extLst>
                 </a:gridCol>
-                <a:gridCol w="580033">
+                <a:gridCol w="627781">
                   <a:extLst>
                     <a:ext uri="{9D8B030D-6E8A-4147-A177-3AD203B41FA5}">
                       <a16:colId xmlns:a16="http://schemas.microsoft.com/office/drawing/2014/main" val="2632653017"/>
                     </a:ext>
                   </a:extLst>
                 </a:gridCol>
-                <a:gridCol w="580033">
+                <a:gridCol w="611757">
                   <a:extLst>
                     <a:ext uri="{9D8B030D-6E8A-4147-A177-3AD203B41FA5}">
                       <a16:colId xmlns:a16="http://schemas.microsoft.com/office/drawing/2014/main" val="2903081770"/>
@@ -8024,7 +8478,7 @@
                   </a:extLst>
                 </a:gridCol>
               </a:tblGrid>
-              <a:tr h="370840">
+              <a:tr h="430017">
                 <a:tc gridSpan="8">
                   <a:txBody>
                     <a:bodyPr/>
@@ -8115,7 +8569,7 @@
                   </a:ext>
                 </a:extLst>
               </a:tr>
-              <a:tr h="370840">
+              <a:tr h="430017">
                 <a:tc>
                   <a:txBody>
                     <a:bodyPr/>
@@ -8322,7 +8776,7 @@
                   </a:ext>
                 </a:extLst>
               </a:tr>
-              <a:tr h="370840">
+              <a:tr h="505756">
                 <a:tc>
                   <a:txBody>
                     <a:bodyPr/>
@@ -8354,67 +8808,95 @@
                     <a:bodyPr/>
                     <a:lstStyle/>
                     <a:p>
-                      <a:endParaRPr lang="en-IL"/>
-                    </a:p>
-                  </a:txBody>
-                  <a:tcPr/>
-                </a:tc>
-                <a:tc>
-                  <a:txBody>
-                    <a:bodyPr/>
-                    <a:lstStyle/>
-                    <a:p>
-                      <a:endParaRPr lang="en-IL"/>
-                    </a:p>
-                  </a:txBody>
-                  <a:tcPr/>
-                </a:tc>
-                <a:tc>
-                  <a:txBody>
-                    <a:bodyPr/>
-                    <a:lstStyle/>
-                    <a:p>
-                      <a:endParaRPr lang="en-IL"/>
-                    </a:p>
-                  </a:txBody>
-                  <a:tcPr/>
-                </a:tc>
-                <a:tc>
-                  <a:txBody>
-                    <a:bodyPr/>
-                    <a:lstStyle/>
-                    <a:p>
-                      <a:endParaRPr lang="en-IL"/>
-                    </a:p>
-                  </a:txBody>
-                  <a:tcPr/>
-                </a:tc>
-                <a:tc>
-                  <a:txBody>
-                    <a:bodyPr/>
-                    <a:lstStyle/>
-                    <a:p>
-                      <a:endParaRPr lang="en-IL"/>
-                    </a:p>
-                  </a:txBody>
-                  <a:tcPr/>
-                </a:tc>
-                <a:tc>
-                  <a:txBody>
-                    <a:bodyPr/>
-                    <a:lstStyle/>
-                    <a:p>
-                      <a:endParaRPr lang="en-IL"/>
-                    </a:p>
-                  </a:txBody>
-                  <a:tcPr/>
-                </a:tc>
-                <a:tc>
-                  <a:txBody>
-                    <a:bodyPr/>
-                    <a:lstStyle/>
-                    <a:p>
-                      <a:endParaRPr lang="en-IL"/>
+                      <a:r>
+                        <a:rPr lang="en-US" dirty="0"/>
+                        <a:t>940</a:t>
+                      </a:r>
+                      <a:endParaRPr lang="en-IL" dirty="0"/>
+                    </a:p>
+                  </a:txBody>
+                  <a:tcPr/>
+                </a:tc>
+                <a:tc>
+                  <a:txBody>
+                    <a:bodyPr/>
+                    <a:lstStyle/>
+                    <a:p>
+                      <a:r>
+                        <a:rPr lang="en-US" dirty="0"/>
+                        <a:t>22</a:t>
+                      </a:r>
+                      <a:endParaRPr lang="en-IL" dirty="0"/>
+                    </a:p>
+                  </a:txBody>
+                  <a:tcPr/>
+                </a:tc>
+                <a:tc>
+                  <a:txBody>
+                    <a:bodyPr/>
+                    <a:lstStyle/>
+                    <a:p>
+                      <a:r>
+                        <a:rPr lang="en-US" dirty="0"/>
+                        <a:t>9</a:t>
+                      </a:r>
+                      <a:endParaRPr lang="en-IL" dirty="0"/>
+                    </a:p>
+                  </a:txBody>
+                  <a:tcPr/>
+                </a:tc>
+                <a:tc>
+                  <a:txBody>
+                    <a:bodyPr/>
+                    <a:lstStyle/>
+                    <a:p>
+                      <a:r>
+                        <a:rPr lang="en-US" dirty="0"/>
+                        <a:t>26</a:t>
+                      </a:r>
+                      <a:endParaRPr lang="en-IL" dirty="0"/>
+                    </a:p>
+                  </a:txBody>
+                  <a:tcPr/>
+                </a:tc>
+                <a:tc>
+                  <a:txBody>
+                    <a:bodyPr/>
+                    <a:lstStyle/>
+                    <a:p>
+                      <a:r>
+                        <a:rPr lang="en-US" dirty="0"/>
+                        <a:t>18</a:t>
+                      </a:r>
+                      <a:endParaRPr lang="en-IL" dirty="0"/>
+                    </a:p>
+                  </a:txBody>
+                  <a:tcPr/>
+                </a:tc>
+                <a:tc>
+                  <a:txBody>
+                    <a:bodyPr/>
+                    <a:lstStyle/>
+                    <a:p>
+                      <a:r>
+                        <a:rPr lang="en-US" dirty="0"/>
+                        <a:t>28</a:t>
+                      </a:r>
+                      <a:endParaRPr lang="en-IL" dirty="0"/>
+                    </a:p>
+                  </a:txBody>
+                  <a:tcPr/>
+                </a:tc>
+                <a:tc>
+                  <a:txBody>
+                    <a:bodyPr/>
+                    <a:lstStyle/>
+                    <a:p>
+                      <a:r>
+                        <a:rPr lang="en-US" dirty="0"/>
+                        <a:t>26</a:t>
+                      </a:r>
+                      <a:endParaRPr lang="en-IL" dirty="0"/>
                     </a:p>
                   </a:txBody>
                   <a:tcPr/>
@@ -8425,7 +8907,7 @@
                   </a:ext>
                 </a:extLst>
               </a:tr>
-              <a:tr h="370840">
+              <a:tr h="413111">
                 <a:tc>
                   <a:txBody>
                     <a:bodyPr/>
@@ -8457,67 +8939,95 @@
                     <a:bodyPr/>
                     <a:lstStyle/>
                     <a:p>
-                      <a:endParaRPr lang="en-IL" dirty="0"/>
-                    </a:p>
-                  </a:txBody>
-                  <a:tcPr/>
-                </a:tc>
-                <a:tc>
-                  <a:txBody>
-                    <a:bodyPr/>
-                    <a:lstStyle/>
-                    <a:p>
-                      <a:endParaRPr lang="en-IL"/>
-                    </a:p>
-                  </a:txBody>
-                  <a:tcPr/>
-                </a:tc>
-                <a:tc>
-                  <a:txBody>
-                    <a:bodyPr/>
-                    <a:lstStyle/>
-                    <a:p>
-                      <a:endParaRPr lang="en-IL" dirty="0"/>
-                    </a:p>
-                  </a:txBody>
-                  <a:tcPr/>
-                </a:tc>
-                <a:tc>
-                  <a:txBody>
-                    <a:bodyPr/>
-                    <a:lstStyle/>
-                    <a:p>
-                      <a:endParaRPr lang="en-IL" dirty="0"/>
-                    </a:p>
-                  </a:txBody>
-                  <a:tcPr/>
-                </a:tc>
-                <a:tc>
-                  <a:txBody>
-                    <a:bodyPr/>
-                    <a:lstStyle/>
-                    <a:p>
-                      <a:endParaRPr lang="en-IL"/>
-                    </a:p>
-                  </a:txBody>
-                  <a:tcPr/>
-                </a:tc>
-                <a:tc>
-                  <a:txBody>
-                    <a:bodyPr/>
-                    <a:lstStyle/>
-                    <a:p>
-                      <a:endParaRPr lang="en-IL"/>
-                    </a:p>
-                  </a:txBody>
-                  <a:tcPr/>
-                </a:tc>
-                <a:tc>
-                  <a:txBody>
-                    <a:bodyPr/>
-                    <a:lstStyle/>
-                    <a:p>
-                      <a:endParaRPr lang="en-IL"/>
+                      <a:r>
+                        <a:rPr lang="en-US" dirty="0"/>
+                        <a:t>85</a:t>
+                      </a:r>
+                      <a:endParaRPr lang="en-IL" dirty="0"/>
+                    </a:p>
+                  </a:txBody>
+                  <a:tcPr/>
+                </a:tc>
+                <a:tc>
+                  <a:txBody>
+                    <a:bodyPr/>
+                    <a:lstStyle/>
+                    <a:p>
+                      <a:r>
+                        <a:rPr lang="en-US" dirty="0"/>
+                        <a:t>24</a:t>
+                      </a:r>
+                      <a:endParaRPr lang="en-IL" dirty="0"/>
+                    </a:p>
+                  </a:txBody>
+                  <a:tcPr/>
+                </a:tc>
+                <a:tc>
+                  <a:txBody>
+                    <a:bodyPr/>
+                    <a:lstStyle/>
+                    <a:p>
+                      <a:r>
+                        <a:rPr lang="en-US" dirty="0"/>
+                        <a:t>13</a:t>
+                      </a:r>
+                      <a:endParaRPr lang="en-IL" dirty="0"/>
+                    </a:p>
+                  </a:txBody>
+                  <a:tcPr/>
+                </a:tc>
+                <a:tc>
+                  <a:txBody>
+                    <a:bodyPr/>
+                    <a:lstStyle/>
+                    <a:p>
+                      <a:r>
+                        <a:rPr lang="en-US" dirty="0"/>
+                        <a:t>0</a:t>
+                      </a:r>
+                      <a:endParaRPr lang="en-IL" dirty="0"/>
+                    </a:p>
+                  </a:txBody>
+                  <a:tcPr/>
+                </a:tc>
+                <a:tc>
+                  <a:txBody>
+                    <a:bodyPr/>
+                    <a:lstStyle/>
+                    <a:p>
+                      <a:r>
+                        <a:rPr lang="en-US" dirty="0"/>
+                        <a:t>13</a:t>
+                      </a:r>
+                      <a:endParaRPr lang="en-IL" dirty="0"/>
+                    </a:p>
+                  </a:txBody>
+                  <a:tcPr/>
+                </a:tc>
+                <a:tc>
+                  <a:txBody>
+                    <a:bodyPr/>
+                    <a:lstStyle/>
+                    <a:p>
+                      <a:r>
+                        <a:rPr lang="en-US" dirty="0"/>
+                        <a:t>8</a:t>
+                      </a:r>
+                      <a:endParaRPr lang="en-IL" dirty="0"/>
+                    </a:p>
+                  </a:txBody>
+                  <a:tcPr/>
+                </a:tc>
+                <a:tc>
+                  <a:txBody>
+                    <a:bodyPr/>
+                    <a:lstStyle/>
+                    <a:p>
+                      <a:r>
+                        <a:rPr lang="en-US" dirty="0"/>
+                        <a:t>23</a:t>
+                      </a:r>
+                      <a:endParaRPr lang="en-IL" dirty="0"/>
                     </a:p>
                   </a:txBody>
                   <a:tcPr/>
@@ -8528,7 +9038,7 @@
                   </a:ext>
                 </a:extLst>
               </a:tr>
-              <a:tr h="370840">
+              <a:tr h="430017">
                 <a:tc>
                   <a:txBody>
                     <a:bodyPr/>
@@ -8560,67 +9070,95 @@
                     <a:bodyPr/>
                     <a:lstStyle/>
                     <a:p>
-                      <a:endParaRPr lang="en-IL" dirty="0"/>
-                    </a:p>
-                  </a:txBody>
-                  <a:tcPr/>
-                </a:tc>
-                <a:tc>
-                  <a:txBody>
-                    <a:bodyPr/>
-                    <a:lstStyle/>
-                    <a:p>
-                      <a:endParaRPr lang="en-IL"/>
-                    </a:p>
-                  </a:txBody>
-                  <a:tcPr/>
-                </a:tc>
-                <a:tc>
-                  <a:txBody>
-                    <a:bodyPr/>
-                    <a:lstStyle/>
-                    <a:p>
-                      <a:endParaRPr lang="en-IL" dirty="0"/>
-                    </a:p>
-                  </a:txBody>
-                  <a:tcPr/>
-                </a:tc>
-                <a:tc>
-                  <a:txBody>
-                    <a:bodyPr/>
-                    <a:lstStyle/>
-                    <a:p>
-                      <a:endParaRPr lang="en-IL"/>
-                    </a:p>
-                  </a:txBody>
-                  <a:tcPr/>
-                </a:tc>
-                <a:tc>
-                  <a:txBody>
-                    <a:bodyPr/>
-                    <a:lstStyle/>
-                    <a:p>
-                      <a:endParaRPr lang="en-IL" dirty="0"/>
-                    </a:p>
-                  </a:txBody>
-                  <a:tcPr/>
-                </a:tc>
-                <a:tc>
-                  <a:txBody>
-                    <a:bodyPr/>
-                    <a:lstStyle/>
-                    <a:p>
-                      <a:endParaRPr lang="en-IL"/>
-                    </a:p>
-                  </a:txBody>
-                  <a:tcPr/>
-                </a:tc>
-                <a:tc>
-                  <a:txBody>
-                    <a:bodyPr/>
-                    <a:lstStyle/>
-                    <a:p>
-                      <a:endParaRPr lang="en-IL"/>
+                      <a:r>
+                        <a:rPr lang="en-US" dirty="0"/>
+                        <a:t>82</a:t>
+                      </a:r>
+                      <a:endParaRPr lang="en-IL" dirty="0"/>
+                    </a:p>
+                  </a:txBody>
+                  <a:tcPr/>
+                </a:tc>
+                <a:tc>
+                  <a:txBody>
+                    <a:bodyPr/>
+                    <a:lstStyle/>
+                    <a:p>
+                      <a:r>
+                        <a:rPr lang="en-US" dirty="0"/>
+                        <a:t>14</a:t>
+                      </a:r>
+                      <a:endParaRPr lang="en-IL" dirty="0"/>
+                    </a:p>
+                  </a:txBody>
+                  <a:tcPr/>
+                </a:tc>
+                <a:tc>
+                  <a:txBody>
+                    <a:bodyPr/>
+                    <a:lstStyle/>
+                    <a:p>
+                      <a:r>
+                        <a:rPr lang="en-US" dirty="0"/>
+                        <a:t>10</a:t>
+                      </a:r>
+                      <a:endParaRPr lang="en-IL" dirty="0"/>
+                    </a:p>
+                  </a:txBody>
+                  <a:tcPr/>
+                </a:tc>
+                <a:tc>
+                  <a:txBody>
+                    <a:bodyPr/>
+                    <a:lstStyle/>
+                    <a:p>
+                      <a:r>
+                        <a:rPr lang="en-US" dirty="0"/>
+                        <a:t>5</a:t>
+                      </a:r>
+                      <a:endParaRPr lang="en-IL" dirty="0"/>
+                    </a:p>
+                  </a:txBody>
+                  <a:tcPr/>
+                </a:tc>
+                <a:tc>
+                  <a:txBody>
+                    <a:bodyPr/>
+                    <a:lstStyle/>
+                    <a:p>
+                      <a:r>
+                        <a:rPr lang="en-US" dirty="0"/>
+                        <a:t>11</a:t>
+                      </a:r>
+                      <a:endParaRPr lang="en-IL" dirty="0"/>
+                    </a:p>
+                  </a:txBody>
+                  <a:tcPr/>
+                </a:tc>
+                <a:tc>
+                  <a:txBody>
+                    <a:bodyPr/>
+                    <a:lstStyle/>
+                    <a:p>
+                      <a:r>
+                        <a:rPr lang="en-US" dirty="0"/>
+                        <a:t>16</a:t>
+                      </a:r>
+                      <a:endParaRPr lang="en-IL" dirty="0"/>
+                    </a:p>
+                  </a:txBody>
+                  <a:tcPr/>
+                </a:tc>
+                <a:tc>
+                  <a:txBody>
+                    <a:bodyPr/>
+                    <a:lstStyle/>
+                    <a:p>
+                      <a:r>
+                        <a:rPr lang="en-US" dirty="0"/>
+                        <a:t>14</a:t>
+                      </a:r>
+                      <a:endParaRPr lang="en-IL" dirty="0"/>
                     </a:p>
                   </a:txBody>
                   <a:tcPr/>
@@ -8631,7 +9169,7 @@
                   </a:ext>
                 </a:extLst>
               </a:tr>
-              <a:tr h="370840">
+              <a:tr h="430017">
                 <a:tc>
                   <a:txBody>
                     <a:bodyPr/>
@@ -8663,67 +9201,95 @@
                     <a:bodyPr/>
                     <a:lstStyle/>
                     <a:p>
-                      <a:endParaRPr lang="en-IL"/>
-                    </a:p>
-                  </a:txBody>
-                  <a:tcPr/>
-                </a:tc>
-                <a:tc>
-                  <a:txBody>
-                    <a:bodyPr/>
-                    <a:lstStyle/>
-                    <a:p>
-                      <a:endParaRPr lang="en-IL"/>
-                    </a:p>
-                  </a:txBody>
-                  <a:tcPr/>
-                </a:tc>
-                <a:tc>
-                  <a:txBody>
-                    <a:bodyPr/>
-                    <a:lstStyle/>
-                    <a:p>
-                      <a:endParaRPr lang="en-IL"/>
-                    </a:p>
-                  </a:txBody>
-                  <a:tcPr/>
-                </a:tc>
-                <a:tc>
-                  <a:txBody>
-                    <a:bodyPr/>
-                    <a:lstStyle/>
-                    <a:p>
-                      <a:endParaRPr lang="en-IL" dirty="0"/>
-                    </a:p>
-                  </a:txBody>
-                  <a:tcPr/>
-                </a:tc>
-                <a:tc>
-                  <a:txBody>
-                    <a:bodyPr/>
-                    <a:lstStyle/>
-                    <a:p>
-                      <a:endParaRPr lang="en-IL"/>
-                    </a:p>
-                  </a:txBody>
-                  <a:tcPr/>
-                </a:tc>
-                <a:tc>
-                  <a:txBody>
-                    <a:bodyPr/>
-                    <a:lstStyle/>
-                    <a:p>
-                      <a:endParaRPr lang="en-IL"/>
-                    </a:p>
-                  </a:txBody>
-                  <a:tcPr/>
-                </a:tc>
-                <a:tc>
-                  <a:txBody>
-                    <a:bodyPr/>
-                    <a:lstStyle/>
-                    <a:p>
-                      <a:endParaRPr lang="en-IL"/>
+                      <a:r>
+                        <a:rPr lang="en-US" dirty="0"/>
+                        <a:t>33</a:t>
+                      </a:r>
+                      <a:endParaRPr lang="en-IL" dirty="0"/>
+                    </a:p>
+                  </a:txBody>
+                  <a:tcPr/>
+                </a:tc>
+                <a:tc>
+                  <a:txBody>
+                    <a:bodyPr/>
+                    <a:lstStyle/>
+                    <a:p>
+                      <a:r>
+                        <a:rPr lang="en-US" dirty="0"/>
+                        <a:t>1</a:t>
+                      </a:r>
+                      <a:endParaRPr lang="en-IL" dirty="0"/>
+                    </a:p>
+                  </a:txBody>
+                  <a:tcPr/>
+                </a:tc>
+                <a:tc>
+                  <a:txBody>
+                    <a:bodyPr/>
+                    <a:lstStyle/>
+                    <a:p>
+                      <a:r>
+                        <a:rPr lang="en-US" dirty="0"/>
+                        <a:t>0</a:t>
+                      </a:r>
+                      <a:endParaRPr lang="en-IL" dirty="0"/>
+                    </a:p>
+                  </a:txBody>
+                  <a:tcPr/>
+                </a:tc>
+                <a:tc>
+                  <a:txBody>
+                    <a:bodyPr/>
+                    <a:lstStyle/>
+                    <a:p>
+                      <a:r>
+                        <a:rPr lang="en-US" dirty="0"/>
+                        <a:t>92</a:t>
+                      </a:r>
+                      <a:endParaRPr lang="en-IL" dirty="0"/>
+                    </a:p>
+                  </a:txBody>
+                  <a:tcPr/>
+                </a:tc>
+                <a:tc>
+                  <a:txBody>
+                    <a:bodyPr/>
+                    <a:lstStyle/>
+                    <a:p>
+                      <a:r>
+                        <a:rPr lang="en-US" dirty="0"/>
+                        <a:t>36</a:t>
+                      </a:r>
+                      <a:endParaRPr lang="en-IL" dirty="0"/>
+                    </a:p>
+                  </a:txBody>
+                  <a:tcPr/>
+                </a:tc>
+                <a:tc>
+                  <a:txBody>
+                    <a:bodyPr/>
+                    <a:lstStyle/>
+                    <a:p>
+                      <a:r>
+                        <a:rPr lang="en-US" dirty="0"/>
+                        <a:t>1</a:t>
+                      </a:r>
+                      <a:endParaRPr lang="en-IL" dirty="0"/>
+                    </a:p>
+                  </a:txBody>
+                  <a:tcPr/>
+                </a:tc>
+                <a:tc>
+                  <a:txBody>
+                    <a:bodyPr/>
+                    <a:lstStyle/>
+                    <a:p>
+                      <a:r>
+                        <a:rPr lang="en-US" dirty="0"/>
+                        <a:t>4</a:t>
+                      </a:r>
+                      <a:endParaRPr lang="en-IL" dirty="0"/>
                     </a:p>
                   </a:txBody>
                   <a:tcPr/>
@@ -8734,7 +9300,7 @@
                   </a:ext>
                 </a:extLst>
               </a:tr>
-              <a:tr h="370840">
+              <a:tr h="470182">
                 <a:tc>
                   <a:txBody>
                     <a:bodyPr/>
@@ -8766,66 +9332,94 @@
                     <a:bodyPr/>
                     <a:lstStyle/>
                     <a:p>
-                      <a:endParaRPr lang="en-IL"/>
-                    </a:p>
-                  </a:txBody>
-                  <a:tcPr/>
-                </a:tc>
-                <a:tc>
-                  <a:txBody>
-                    <a:bodyPr/>
-                    <a:lstStyle/>
-                    <a:p>
-                      <a:endParaRPr lang="en-IL" dirty="0"/>
-                    </a:p>
-                  </a:txBody>
-                  <a:tcPr/>
-                </a:tc>
-                <a:tc>
-                  <a:txBody>
-                    <a:bodyPr/>
-                    <a:lstStyle/>
-                    <a:p>
-                      <a:endParaRPr lang="en-IL"/>
-                    </a:p>
-                  </a:txBody>
-                  <a:tcPr/>
-                </a:tc>
-                <a:tc>
-                  <a:txBody>
-                    <a:bodyPr/>
-                    <a:lstStyle/>
-                    <a:p>
-                      <a:endParaRPr lang="en-IL" dirty="0"/>
-                    </a:p>
-                  </a:txBody>
-                  <a:tcPr/>
-                </a:tc>
-                <a:tc>
-                  <a:txBody>
-                    <a:bodyPr/>
-                    <a:lstStyle/>
-                    <a:p>
-                      <a:endParaRPr lang="en-IL" dirty="0"/>
-                    </a:p>
-                  </a:txBody>
-                  <a:tcPr/>
-                </a:tc>
-                <a:tc>
-                  <a:txBody>
-                    <a:bodyPr/>
-                    <a:lstStyle/>
-                    <a:p>
-                      <a:endParaRPr lang="en-IL" dirty="0"/>
-                    </a:p>
-                  </a:txBody>
-                  <a:tcPr/>
-                </a:tc>
-                <a:tc>
-                  <a:txBody>
-                    <a:bodyPr/>
-                    <a:lstStyle/>
-                    <a:p>
+                      <a:r>
+                        <a:rPr lang="en-US" dirty="0"/>
+                        <a:t>30</a:t>
+                      </a:r>
+                      <a:endParaRPr lang="en-IL" dirty="0"/>
+                    </a:p>
+                  </a:txBody>
+                  <a:tcPr/>
+                </a:tc>
+                <a:tc>
+                  <a:txBody>
+                    <a:bodyPr/>
+                    <a:lstStyle/>
+                    <a:p>
+                      <a:r>
+                        <a:rPr lang="en-US" dirty="0"/>
+                        <a:t>1</a:t>
+                      </a:r>
+                      <a:endParaRPr lang="en-IL" dirty="0"/>
+                    </a:p>
+                  </a:txBody>
+                  <a:tcPr/>
+                </a:tc>
+                <a:tc>
+                  <a:txBody>
+                    <a:bodyPr/>
+                    <a:lstStyle/>
+                    <a:p>
+                      <a:r>
+                        <a:rPr lang="en-US" dirty="0"/>
+                        <a:t>1</a:t>
+                      </a:r>
+                      <a:endParaRPr lang="en-IL" dirty="0"/>
+                    </a:p>
+                  </a:txBody>
+                  <a:tcPr/>
+                </a:tc>
+                <a:tc>
+                  <a:txBody>
+                    <a:bodyPr/>
+                    <a:lstStyle/>
+                    <a:p>
+                      <a:r>
+                        <a:rPr lang="en-US" dirty="0"/>
+                        <a:t>34</a:t>
+                      </a:r>
+                      <a:endParaRPr lang="en-IL" dirty="0"/>
+                    </a:p>
+                  </a:txBody>
+                  <a:tcPr/>
+                </a:tc>
+                <a:tc>
+                  <a:txBody>
+                    <a:bodyPr/>
+                    <a:lstStyle/>
+                    <a:p>
+                      <a:r>
+                        <a:rPr lang="en-US" dirty="0"/>
+                        <a:t>40</a:t>
+                      </a:r>
+                      <a:endParaRPr lang="en-IL" dirty="0"/>
+                    </a:p>
+                  </a:txBody>
+                  <a:tcPr/>
+                </a:tc>
+                <a:tc>
+                  <a:txBody>
+                    <a:bodyPr/>
+                    <a:lstStyle/>
+                    <a:p>
+                      <a:r>
+                        <a:rPr lang="en-US" dirty="0"/>
+                        <a:t>5</a:t>
+                      </a:r>
+                      <a:endParaRPr lang="en-IL" dirty="0"/>
+                    </a:p>
+                  </a:txBody>
+                  <a:tcPr/>
+                </a:tc>
+                <a:tc>
+                  <a:txBody>
+                    <a:bodyPr/>
+                    <a:lstStyle/>
+                    <a:p>
+                      <a:r>
+                        <a:rPr lang="en-US" dirty="0"/>
+                        <a:t>2</a:t>
+                      </a:r>
                       <a:endParaRPr lang="en-IL" dirty="0"/>
                     </a:p>
                   </a:txBody>
@@ -8837,7 +9431,7 @@
                   </a:ext>
                 </a:extLst>
               </a:tr>
-              <a:tr h="370840">
+              <a:tr h="430017">
                 <a:tc>
                   <a:txBody>
                     <a:bodyPr/>
@@ -8869,66 +9463,94 @@
                     <a:bodyPr/>
                     <a:lstStyle/>
                     <a:p>
-                      <a:endParaRPr lang="en-IL" dirty="0"/>
-                    </a:p>
-                  </a:txBody>
-                  <a:tcPr/>
-                </a:tc>
-                <a:tc>
-                  <a:txBody>
-                    <a:bodyPr/>
-                    <a:lstStyle/>
-                    <a:p>
-                      <a:endParaRPr lang="en-IL" dirty="0"/>
-                    </a:p>
-                  </a:txBody>
-                  <a:tcPr/>
-                </a:tc>
-                <a:tc>
-                  <a:txBody>
-                    <a:bodyPr/>
-                    <a:lstStyle/>
-                    <a:p>
-                      <a:endParaRPr lang="en-IL" dirty="0"/>
-                    </a:p>
-                  </a:txBody>
-                  <a:tcPr/>
-                </a:tc>
-                <a:tc>
-                  <a:txBody>
-                    <a:bodyPr/>
-                    <a:lstStyle/>
-                    <a:p>
-                      <a:endParaRPr lang="en-IL" dirty="0"/>
-                    </a:p>
-                  </a:txBody>
-                  <a:tcPr/>
-                </a:tc>
-                <a:tc>
-                  <a:txBody>
-                    <a:bodyPr/>
-                    <a:lstStyle/>
-                    <a:p>
-                      <a:endParaRPr lang="en-IL" dirty="0"/>
-                    </a:p>
-                  </a:txBody>
-                  <a:tcPr/>
-                </a:tc>
-                <a:tc>
-                  <a:txBody>
-                    <a:bodyPr/>
-                    <a:lstStyle/>
-                    <a:p>
-                      <a:endParaRPr lang="en-IL" dirty="0"/>
-                    </a:p>
-                  </a:txBody>
-                  <a:tcPr/>
-                </a:tc>
-                <a:tc>
-                  <a:txBody>
-                    <a:bodyPr/>
-                    <a:lstStyle/>
-                    <a:p>
+                      <a:r>
+                        <a:rPr lang="en-US" dirty="0"/>
+                        <a:t>46</a:t>
+                      </a:r>
+                      <a:endParaRPr lang="en-IL" dirty="0"/>
+                    </a:p>
+                  </a:txBody>
+                  <a:tcPr/>
+                </a:tc>
+                <a:tc>
+                  <a:txBody>
+                    <a:bodyPr/>
+                    <a:lstStyle/>
+                    <a:p>
+                      <a:r>
+                        <a:rPr lang="en-US" dirty="0"/>
+                        <a:t>0</a:t>
+                      </a:r>
+                      <a:endParaRPr lang="en-IL" dirty="0"/>
+                    </a:p>
+                  </a:txBody>
+                  <a:tcPr/>
+                </a:tc>
+                <a:tc>
+                  <a:txBody>
+                    <a:bodyPr/>
+                    <a:lstStyle/>
+                    <a:p>
+                      <a:r>
+                        <a:rPr lang="en-US" dirty="0"/>
+                        <a:t>0</a:t>
+                      </a:r>
+                      <a:endParaRPr lang="en-IL" dirty="0"/>
+                    </a:p>
+                  </a:txBody>
+                  <a:tcPr/>
+                </a:tc>
+                <a:tc>
+                  <a:txBody>
+                    <a:bodyPr/>
+                    <a:lstStyle/>
+                    <a:p>
+                      <a:r>
+                        <a:rPr lang="en-US" dirty="0"/>
+                        <a:t>0</a:t>
+                      </a:r>
+                      <a:endParaRPr lang="en-IL" dirty="0"/>
+                    </a:p>
+                  </a:txBody>
+                  <a:tcPr/>
+                </a:tc>
+                <a:tc>
+                  <a:txBody>
+                    <a:bodyPr/>
+                    <a:lstStyle/>
+                    <a:p>
+                      <a:r>
+                        <a:rPr lang="en-US" dirty="0"/>
+                        <a:t>1</a:t>
+                      </a:r>
+                      <a:endParaRPr lang="en-IL" dirty="0"/>
+                    </a:p>
+                  </a:txBody>
+                  <a:tcPr/>
+                </a:tc>
+                <a:tc>
+                  <a:txBody>
+                    <a:bodyPr/>
+                    <a:lstStyle/>
+                    <a:p>
+                      <a:r>
+                        <a:rPr lang="en-US" dirty="0"/>
+                        <a:t>89</a:t>
+                      </a:r>
+                      <a:endParaRPr lang="en-IL" dirty="0"/>
+                    </a:p>
+                  </a:txBody>
+                  <a:tcPr/>
+                </a:tc>
+                <a:tc>
+                  <a:txBody>
+                    <a:bodyPr/>
+                    <a:lstStyle/>
+                    <a:p>
+                      <a:r>
+                        <a:rPr lang="en-US" dirty="0"/>
+                        <a:t>18</a:t>
+                      </a:r>
                       <a:endParaRPr lang="en-IL" dirty="0"/>
                     </a:p>
                   </a:txBody>
@@ -8940,7 +9562,7 @@
                   </a:ext>
                 </a:extLst>
               </a:tr>
-              <a:tr h="370840">
+              <a:tr h="430017">
                 <a:tc>
                   <a:txBody>
                     <a:bodyPr/>
@@ -8972,66 +9594,94 @@
                     <a:bodyPr/>
                     <a:lstStyle/>
                     <a:p>
-                      <a:endParaRPr lang="en-IL" dirty="0"/>
-                    </a:p>
-                  </a:txBody>
-                  <a:tcPr/>
-                </a:tc>
-                <a:tc>
-                  <a:txBody>
-                    <a:bodyPr/>
-                    <a:lstStyle/>
-                    <a:p>
-                      <a:endParaRPr lang="en-IL" dirty="0"/>
-                    </a:p>
-                  </a:txBody>
-                  <a:tcPr/>
-                </a:tc>
-                <a:tc>
-                  <a:txBody>
-                    <a:bodyPr/>
-                    <a:lstStyle/>
-                    <a:p>
-                      <a:endParaRPr lang="en-IL" dirty="0"/>
-                    </a:p>
-                  </a:txBody>
-                  <a:tcPr/>
-                </a:tc>
-                <a:tc>
-                  <a:txBody>
-                    <a:bodyPr/>
-                    <a:lstStyle/>
-                    <a:p>
-                      <a:endParaRPr lang="en-IL" dirty="0"/>
-                    </a:p>
-                  </a:txBody>
-                  <a:tcPr/>
-                </a:tc>
-                <a:tc>
-                  <a:txBody>
-                    <a:bodyPr/>
-                    <a:lstStyle/>
-                    <a:p>
-                      <a:endParaRPr lang="en-IL" dirty="0"/>
-                    </a:p>
-                  </a:txBody>
-                  <a:tcPr/>
-                </a:tc>
-                <a:tc>
-                  <a:txBody>
-                    <a:bodyPr/>
-                    <a:lstStyle/>
-                    <a:p>
-                      <a:endParaRPr lang="en-IL" dirty="0"/>
-                    </a:p>
-                  </a:txBody>
-                  <a:tcPr/>
-                </a:tc>
-                <a:tc>
-                  <a:txBody>
-                    <a:bodyPr/>
-                    <a:lstStyle/>
-                    <a:p>
+                      <a:r>
+                        <a:rPr lang="en-US" dirty="0"/>
+                        <a:t>49</a:t>
+                      </a:r>
+                      <a:endParaRPr lang="en-IL" dirty="0"/>
+                    </a:p>
+                  </a:txBody>
+                  <a:tcPr/>
+                </a:tc>
+                <a:tc>
+                  <a:txBody>
+                    <a:bodyPr/>
+                    <a:lstStyle/>
+                    <a:p>
+                      <a:r>
+                        <a:rPr lang="en-US" dirty="0"/>
+                        <a:t>3</a:t>
+                      </a:r>
+                      <a:endParaRPr lang="en-IL" dirty="0"/>
+                    </a:p>
+                  </a:txBody>
+                  <a:tcPr/>
+                </a:tc>
+                <a:tc>
+                  <a:txBody>
+                    <a:bodyPr/>
+                    <a:lstStyle/>
+                    <a:p>
+                      <a:r>
+                        <a:rPr lang="en-US" dirty="0"/>
+                        <a:t>2</a:t>
+                      </a:r>
+                      <a:endParaRPr lang="en-IL" dirty="0"/>
+                    </a:p>
+                  </a:txBody>
+                  <a:tcPr/>
+                </a:tc>
+                <a:tc>
+                  <a:txBody>
+                    <a:bodyPr/>
+                    <a:lstStyle/>
+                    <a:p>
+                      <a:r>
+                        <a:rPr lang="en-US" dirty="0"/>
+                        <a:t>4</a:t>
+                      </a:r>
+                      <a:endParaRPr lang="en-IL" dirty="0"/>
+                    </a:p>
+                  </a:txBody>
+                  <a:tcPr/>
+                </a:tc>
+                <a:tc>
+                  <a:txBody>
+                    <a:bodyPr/>
+                    <a:lstStyle/>
+                    <a:p>
+                      <a:r>
+                        <a:rPr lang="en-US" dirty="0"/>
+                        <a:t>7</a:t>
+                      </a:r>
+                      <a:endParaRPr lang="en-IL" dirty="0"/>
+                    </a:p>
+                  </a:txBody>
+                  <a:tcPr/>
+                </a:tc>
+                <a:tc>
+                  <a:txBody>
+                    <a:bodyPr/>
+                    <a:lstStyle/>
+                    <a:p>
+                      <a:r>
+                        <a:rPr lang="en-US" dirty="0"/>
+                        <a:t>10</a:t>
+                      </a:r>
+                      <a:endParaRPr lang="en-IL" dirty="0"/>
+                    </a:p>
+                  </a:txBody>
+                  <a:tcPr/>
+                </a:tc>
+                <a:tc>
+                  <a:txBody>
+                    <a:bodyPr/>
+                    <a:lstStyle/>
+                    <a:p>
+                      <a:r>
+                        <a:rPr lang="en-US" dirty="0"/>
+                        <a:t>12</a:t>
+                      </a:r>
                       <a:endParaRPr lang="en-IL" dirty="0"/>
                     </a:p>
                   </a:txBody>
@@ -9473,6 +10123,24 @@
 </file>
 
 <file path=customXml/item1.xml><?xml version="1.0" encoding="utf-8"?>
+<p:properties xmlns:p="http://schemas.microsoft.com/office/2006/metadata/properties" xmlns:xsi="http://www.w3.org/2001/XMLSchema-instance" xmlns:pc="http://schemas.microsoft.com/office/infopath/2007/PartnerControls">
+  <documentManagement>
+    <Status xmlns="71af3243-3dd4-4a8d-8c0d-dd76da1f02a5">Not started</Status>
+    <MediaServiceKeyPoints xmlns="71af3243-3dd4-4a8d-8c0d-dd76da1f02a5" xsi:nil="true"/>
+  </documentManagement>
+</p:properties>
+</file>
+
+<file path=customXml/item2.xml><?xml version="1.0" encoding="utf-8"?>
+<?mso-contentType ?>
+<FormTemplates xmlns="http://schemas.microsoft.com/sharepoint/v3/contenttype/forms">
+  <Display>DocumentLibraryForm</Display>
+  <Edit>DocumentLibraryForm</Edit>
+  <New>DocumentLibraryForm</New>
+</FormTemplates>
+</file>
+
+<file path=customXml/item3.xml><?xml version="1.0" encoding="utf-8"?>
 <ct:contentTypeSchema xmlns:ct="http://schemas.microsoft.com/office/2006/metadata/contentType" xmlns:ma="http://schemas.microsoft.com/office/2006/metadata/properties/metaAttributes" ct:_="" ma:_="" ma:contentTypeName="Document" ma:contentTypeID="0x01010079F111ED35F8CC479449609E8A0923A6" ma:contentTypeVersion="12" ma:contentTypeDescription="Create a new document." ma:contentTypeScope="" ma:versionID="a410dd7f93c95333ffa1b60ed6adedd1">
   <xsd:schema xmlns:xsd="http://www.w3.org/2001/XMLSchema" xmlns:xs="http://www.w3.org/2001/XMLSchema" xmlns:p="http://schemas.microsoft.com/office/2006/metadata/properties" xmlns:ns2="71af3243-3dd4-4a8d-8c0d-dd76da1f02a5" xmlns:ns3="16c05727-aa75-4e4a-9b5f-8a80a1165891" targetNamespace="http://schemas.microsoft.com/office/2006/metadata/properties" ma:root="true" ma:fieldsID="a936d9baba76aa3866493feff160faab" ns2:_="" ns3:_="">
     <xsd:import namespace="71af3243-3dd4-4a8d-8c0d-dd76da1f02a5"/>
@@ -9693,25 +10361,25 @@
 </ct:contentTypeSchema>
 </file>
 
-<file path=customXml/item2.xml><?xml version="1.0" encoding="utf-8"?>
-<?mso-contentType ?>
-<FormTemplates xmlns="http://schemas.microsoft.com/sharepoint/v3/contenttype/forms">
-  <Display>DocumentLibraryForm</Display>
-  <Edit>DocumentLibraryForm</Edit>
-  <New>DocumentLibraryForm</New>
-</FormTemplates>
+<file path=customXml/itemProps1.xml><?xml version="1.0" encoding="utf-8"?>
+<ds:datastoreItem xmlns:ds="http://schemas.openxmlformats.org/officeDocument/2006/customXml" ds:itemID="{A03EEFF0-FB57-4CB4-8BFC-DF397689E2ED}">
+  <ds:schemaRefs>
+    <ds:schemaRef ds:uri="http://schemas.microsoft.com/office/2006/metadata/properties"/>
+    <ds:schemaRef ds:uri="http://schemas.microsoft.com/office/infopath/2007/PartnerControls"/>
+    <ds:schemaRef ds:uri="71af3243-3dd4-4a8d-8c0d-dd76da1f02a5"/>
+  </ds:schemaRefs>
+</ds:datastoreItem>
 </file>
 
-<file path=customXml/item3.xml><?xml version="1.0" encoding="utf-8"?>
-<p:properties xmlns:p="http://schemas.microsoft.com/office/2006/metadata/properties" xmlns:xsi="http://www.w3.org/2001/XMLSchema-instance" xmlns:pc="http://schemas.microsoft.com/office/infopath/2007/PartnerControls">
-  <documentManagement>
-    <Status xmlns="71af3243-3dd4-4a8d-8c0d-dd76da1f02a5">Not started</Status>
-    <MediaServiceKeyPoints xmlns="71af3243-3dd4-4a8d-8c0d-dd76da1f02a5" xsi:nil="true"/>
-  </documentManagement>
-</p:properties>
+<file path=customXml/itemProps2.xml><?xml version="1.0" encoding="utf-8"?>
+<ds:datastoreItem xmlns:ds="http://schemas.openxmlformats.org/officeDocument/2006/customXml" ds:itemID="{AA3F7EDC-E5B4-4BBC-9D2A-CBE6D46C37AD}">
+  <ds:schemaRefs>
+    <ds:schemaRef ds:uri="http://schemas.microsoft.com/sharepoint/v3/contenttype/forms"/>
+  </ds:schemaRefs>
+</ds:datastoreItem>
 </file>
 
-<file path=customXml/itemProps1.xml><?xml version="1.0" encoding="utf-8"?>
+<file path=customXml/itemProps3.xml><?xml version="1.0" encoding="utf-8"?>
 <ds:datastoreItem xmlns:ds="http://schemas.openxmlformats.org/officeDocument/2006/customXml" ds:itemID="{93932EF5-314F-409E-8020-FEE5FA0795B9}">
   <ds:schemaRefs>
     <ds:schemaRef ds:uri="http://schemas.microsoft.com/office/2006/metadata/contentType"/>
@@ -9728,22 +10396,4 @@
     <ds:schemaRef ds:uri="http://schemas.microsoft.com/internal/obd"/>
   </ds:schemaRefs>
 </ds:datastoreItem>
-</file>
-
-<file path=customXml/itemProps2.xml><?xml version="1.0" encoding="utf-8"?>
-<ds:datastoreItem xmlns:ds="http://schemas.openxmlformats.org/officeDocument/2006/customXml" ds:itemID="{AA3F7EDC-E5B4-4BBC-9D2A-CBE6D46C37AD}">
-  <ds:schemaRefs>
-    <ds:schemaRef ds:uri="http://schemas.microsoft.com/sharepoint/v3/contenttype/forms"/>
-  </ds:schemaRefs>
-</ds:datastoreItem>
-</file>
-
-<file path=customXml/itemProps3.xml><?xml version="1.0" encoding="utf-8"?>
-<ds:datastoreItem xmlns:ds="http://schemas.openxmlformats.org/officeDocument/2006/customXml" ds:itemID="{A03EEFF0-FB57-4CB4-8BFC-DF397689E2ED}">
-  <ds:schemaRefs>
-    <ds:schemaRef ds:uri="http://schemas.microsoft.com/office/2006/metadata/properties"/>
-    <ds:schemaRef ds:uri="http://schemas.microsoft.com/office/infopath/2007/PartnerControls"/>
-    <ds:schemaRef ds:uri="71af3243-3dd4-4a8d-8c0d-dd76da1f02a5"/>
-  </ds:schemaRefs>
-</ds:datastoreItem>
 </file>
--- a/Week 7 presentation template.pptx
+++ b/Week 7 presentation template.pptx
@@ -6,11 +6,12 @@
   </p:sldMasterIdLst>
   <p:sldIdLst>
     <p:sldId id="298" r:id="rId5"/>
-    <p:sldId id="300" r:id="rId6"/>
-    <p:sldId id="303" r:id="rId7"/>
-    <p:sldId id="302" r:id="rId8"/>
-    <p:sldId id="304" r:id="rId9"/>
-    <p:sldId id="305" r:id="rId10"/>
+    <p:sldId id="306" r:id="rId6"/>
+    <p:sldId id="300" r:id="rId7"/>
+    <p:sldId id="303" r:id="rId8"/>
+    <p:sldId id="302" r:id="rId9"/>
+    <p:sldId id="304" r:id="rId10"/>
+    <p:sldId id="305" r:id="rId11"/>
   </p:sldIdLst>
   <p:sldSz cx="12192000" cy="6858000"/>
   <p:notesSz cx="6858000" cy="9144000"/>
@@ -3777,6 +3778,222 @@
 <file path=ppt/slides/slide2.xml><?xml version="1.0" encoding="utf-8"?>
 <p:sld xmlns:a="http://schemas.openxmlformats.org/drawingml/2006/main" xmlns:r="http://schemas.openxmlformats.org/officeDocument/2006/relationships" xmlns:p="http://schemas.openxmlformats.org/presentationml/2006/main">
   <p:cSld>
+    <p:spTree>
+      <p:nvGrpSpPr>
+        <p:cNvPr id="1" name=""/>
+        <p:cNvGrpSpPr/>
+        <p:nvPr/>
+      </p:nvGrpSpPr>
+      <p:grpSpPr>
+        <a:xfrm>
+          <a:off x="0" y="0"/>
+          <a:ext cx="0" cy="0"/>
+          <a:chOff x="0" y="0"/>
+          <a:chExt cx="0" cy="0"/>
+        </a:xfrm>
+      </p:grpSpPr>
+      <p:pic>
+        <p:nvPicPr>
+          <p:cNvPr id="8" name="Content Placeholder 7">
+            <a:extLst>
+              <a:ext uri="{FF2B5EF4-FFF2-40B4-BE49-F238E27FC236}">
+                <a16:creationId xmlns:a16="http://schemas.microsoft.com/office/drawing/2014/main" id="{B5589E3A-D456-49C1-917D-22BE349ACA22}"/>
+              </a:ext>
+            </a:extLst>
+          </p:cNvPr>
+          <p:cNvPicPr>
+            <a:picLocks noGrp="1" noChangeAspect="1"/>
+          </p:cNvPicPr>
+          <p:nvPr>
+            <p:ph idx="1"/>
+          </p:nvPr>
+        </p:nvPicPr>
+        <p:blipFill>
+          <a:blip r:embed="rId2"/>
+          <a:stretch>
+            <a:fillRect/>
+          </a:stretch>
+        </p:blipFill>
+        <p:spPr>
+          <a:xfrm>
+            <a:off x="6608013" y="1706998"/>
+            <a:ext cx="4958078" cy="4079056"/>
+          </a:xfrm>
+        </p:spPr>
+      </p:pic>
+      <p:sp>
+        <p:nvSpPr>
+          <p:cNvPr id="4" name="Title 1">
+            <a:extLst>
+              <a:ext uri="{FF2B5EF4-FFF2-40B4-BE49-F238E27FC236}">
+                <a16:creationId xmlns:a16="http://schemas.microsoft.com/office/drawing/2014/main" id="{712DE9B7-23D9-436B-B1F1-22A3FF1DB068}"/>
+              </a:ext>
+            </a:extLst>
+          </p:cNvPr>
+          <p:cNvSpPr>
+            <a:spLocks noGrp="1"/>
+          </p:cNvSpPr>
+          <p:nvPr>
+            <p:ph type="title"/>
+          </p:nvPr>
+        </p:nvSpPr>
+        <p:spPr>
+          <a:xfrm>
+            <a:off x="1096963" y="287338"/>
+            <a:ext cx="10058400" cy="999021"/>
+          </a:xfrm>
+          <a:solidFill>
+            <a:schemeClr val="accent1">
+              <a:lumMod val="20000"/>
+              <a:lumOff val="80000"/>
+            </a:schemeClr>
+          </a:solidFill>
+        </p:spPr>
+        <p:txBody>
+          <a:bodyPr vert="horz" lIns="91440" tIns="45720" rIns="91440" bIns="45720" rtlCol="0">
+            <a:normAutofit/>
+          </a:bodyPr>
+          <a:lstStyle/>
+          <a:p>
+            <a:pPr algn="ctr" rtl="1"/>
+            <a:r>
+              <a:rPr lang="en-US" dirty="0">
+                <a:latin typeface="Calibri" panose="020F0502020204030204" pitchFamily="34" charset="0"/>
+                <a:cs typeface="Calibri" panose="020F0502020204030204" pitchFamily="34" charset="0"/>
+              </a:rPr>
+              <a:t>Pre-processing - High Pass Filter</a:t>
+            </a:r>
+          </a:p>
+        </p:txBody>
+      </p:sp>
+      <p:pic>
+        <p:nvPicPr>
+          <p:cNvPr id="6" name="Picture 5">
+            <a:extLst>
+              <a:ext uri="{FF2B5EF4-FFF2-40B4-BE49-F238E27FC236}">
+                <a16:creationId xmlns:a16="http://schemas.microsoft.com/office/drawing/2014/main" id="{AAC82CC2-0557-4AB6-8262-9EEB21F5524C}"/>
+              </a:ext>
+            </a:extLst>
+          </p:cNvPr>
+          <p:cNvPicPr>
+            <a:picLocks noChangeAspect="1"/>
+          </p:cNvPicPr>
+          <p:nvPr/>
+        </p:nvPicPr>
+        <p:blipFill>
+          <a:blip r:embed="rId3"/>
+          <a:stretch>
+            <a:fillRect/>
+          </a:stretch>
+        </p:blipFill>
+        <p:spPr>
+          <a:xfrm>
+            <a:off x="625909" y="1729443"/>
+            <a:ext cx="4958080" cy="4056611"/>
+          </a:xfrm>
+          <a:prstGeom prst="rect">
+            <a:avLst/>
+          </a:prstGeom>
+        </p:spPr>
+      </p:pic>
+      <p:sp>
+        <p:nvSpPr>
+          <p:cNvPr id="9" name="Arrow: Right 8">
+            <a:extLst>
+              <a:ext uri="{FF2B5EF4-FFF2-40B4-BE49-F238E27FC236}">
+                <a16:creationId xmlns:a16="http://schemas.microsoft.com/office/drawing/2014/main" id="{1AA587FF-FD0E-4927-8352-625EBB3BEE77}"/>
+              </a:ext>
+            </a:extLst>
+          </p:cNvPr>
+          <p:cNvSpPr/>
+          <p:nvPr/>
+        </p:nvSpPr>
+        <p:spPr>
+          <a:xfrm>
+            <a:off x="5661891" y="3574473"/>
+            <a:ext cx="858982" cy="360218"/>
+          </a:xfrm>
+          <a:prstGeom prst="rightArrow">
+            <a:avLst/>
+          </a:prstGeom>
+        </p:spPr>
+        <p:style>
+          <a:lnRef idx="2">
+            <a:schemeClr val="accent1">
+              <a:shade val="50000"/>
+            </a:schemeClr>
+          </a:lnRef>
+          <a:fillRef idx="1">
+            <a:schemeClr val="accent1"/>
+          </a:fillRef>
+          <a:effectRef idx="0">
+            <a:schemeClr val="accent1"/>
+          </a:effectRef>
+          <a:fontRef idx="minor">
+            <a:schemeClr val="lt1"/>
+          </a:fontRef>
+        </p:style>
+        <p:txBody>
+          <a:bodyPr rtlCol="1" anchor="ctr"/>
+          <a:lstStyle/>
+          <a:p>
+            <a:pPr algn="ctr"/>
+            <a:endParaRPr lang="he-IL"/>
+          </a:p>
+        </p:txBody>
+      </p:sp>
+      <p:sp>
+        <p:nvSpPr>
+          <p:cNvPr id="10" name="TextBox 9">
+            <a:extLst>
+              <a:ext uri="{FF2B5EF4-FFF2-40B4-BE49-F238E27FC236}">
+                <a16:creationId xmlns:a16="http://schemas.microsoft.com/office/drawing/2014/main" id="{0597CDC8-8F0A-496C-BDE3-85E870AFB0D8}"/>
+              </a:ext>
+            </a:extLst>
+          </p:cNvPr>
+          <p:cNvSpPr txBox="1"/>
+          <p:nvPr/>
+        </p:nvSpPr>
+        <p:spPr>
+          <a:xfrm>
+            <a:off x="5794537" y="3244334"/>
+            <a:ext cx="769906" cy="369332"/>
+          </a:xfrm>
+          <a:prstGeom prst="rect">
+            <a:avLst/>
+          </a:prstGeom>
+          <a:noFill/>
+        </p:spPr>
+        <p:txBody>
+          <a:bodyPr wrap="square" rtlCol="1">
+            <a:spAutoFit/>
+          </a:bodyPr>
+          <a:lstStyle/>
+          <a:p>
+            <a:r>
+              <a:rPr lang="en-US" dirty="0"/>
+              <a:t>HPF</a:t>
+            </a:r>
+            <a:endParaRPr lang="he-IL" dirty="0"/>
+          </a:p>
+        </p:txBody>
+      </p:sp>
+    </p:spTree>
+    <p:extLst>
+      <p:ext uri="{BB962C8B-B14F-4D97-AF65-F5344CB8AC3E}">
+        <p14:creationId xmlns:p14="http://schemas.microsoft.com/office/powerpoint/2010/main" val="949148775"/>
+      </p:ext>
+    </p:extLst>
+  </p:cSld>
+  <p:clrMapOvr>
+    <a:masterClrMapping/>
+  </p:clrMapOvr>
+</p:sld>
+</file>
+
+<file path=ppt/slides/slide3.xml><?xml version="1.0" encoding="utf-8"?>
+<p:sld xmlns:a="http://schemas.openxmlformats.org/drawingml/2006/main" xmlns:r="http://schemas.openxmlformats.org/officeDocument/2006/relationships" xmlns:p="http://schemas.openxmlformats.org/presentationml/2006/main">
+  <p:cSld>
     <p:bg>
       <p:bgPr>
         <a:solidFill>
@@ -3815,7 +4032,7 @@
             <p:ph idx="1"/>
             <p:extLst>
               <p:ext uri="{D42A27DB-BD31-4B8C-83A1-F6EECF244321}">
-                <p14:modId xmlns:p14="http://schemas.microsoft.com/office/powerpoint/2010/main" val="2748086921"/>
+                <p14:modId xmlns:p14="http://schemas.microsoft.com/office/powerpoint/2010/main" val="3707002104"/>
               </p:ext>
             </p:extLst>
           </p:nvPr>
@@ -3846,14 +4063,14 @@
                     </a:ext>
                   </a:extLst>
                 </a:gridCol>
-                <a:gridCol w="2551176">
+                <a:gridCol w="2697945">
                   <a:extLst>
                     <a:ext uri="{9D8B030D-6E8A-4147-A177-3AD203B41FA5}">
                       <a16:colId xmlns:a16="http://schemas.microsoft.com/office/drawing/2014/main" val="2572263168"/>
                     </a:ext>
                   </a:extLst>
                 </a:gridCol>
-                <a:gridCol w="2551176">
+                <a:gridCol w="2404407">
                   <a:extLst>
                     <a:ext uri="{9D8B030D-6E8A-4147-A177-3AD203B41FA5}">
                       <a16:colId xmlns:a16="http://schemas.microsoft.com/office/drawing/2014/main" val="1765783061"/>
@@ -4728,7 +4945,7 @@
                           <a:latin typeface="Calibri" panose="020F0502020204030204" pitchFamily="34" charset="0"/>
                           <a:cs typeface="Calibri" panose="020F0502020204030204" pitchFamily="34" charset="0"/>
                         </a:rPr>
-                        <a:t>Forward search</a:t>
+                        <a:t> SFS – Forward selection</a:t>
                       </a:r>
                     </a:p>
                   </a:txBody>
@@ -5118,7 +5335,7 @@
 </p:sld>
 </file>
 
-<file path=ppt/slides/slide3.xml><?xml version="1.0" encoding="utf-8"?>
+<file path=ppt/slides/slide4.xml><?xml version="1.0" encoding="utf-8"?>
 <p:sld xmlns:a="http://schemas.openxmlformats.org/drawingml/2006/main" xmlns:r="http://schemas.openxmlformats.org/officeDocument/2006/relationships" xmlns:p="http://schemas.openxmlformats.org/presentationml/2006/main">
   <p:cSld>
     <p:bg>
@@ -5411,7 +5628,7 @@
         </p:blipFill>
         <p:spPr>
           <a:xfrm>
-            <a:off x="443140" y="2058251"/>
+            <a:off x="2177920" y="2023963"/>
             <a:ext cx="6676812" cy="3925987"/>
           </a:xfrm>
           <a:prstGeom prst="rect">
@@ -5432,7 +5649,7 @@
 </p:sld>
 </file>
 
-<file path=ppt/slides/slide4.xml><?xml version="1.0" encoding="utf-8"?>
+<file path=ppt/slides/slide5.xml><?xml version="1.0" encoding="utf-8"?>
 <p:sld xmlns:a="http://schemas.openxmlformats.org/drawingml/2006/main" xmlns:r="http://schemas.openxmlformats.org/officeDocument/2006/relationships" xmlns:p="http://schemas.openxmlformats.org/presentationml/2006/main">
   <p:cSld>
     <p:bg>
@@ -6877,7 +7094,7 @@
 </p:sld>
 </file>
 
-<file path=ppt/slides/slide5.xml><?xml version="1.0" encoding="utf-8"?>
+<file path=ppt/slides/slide6.xml><?xml version="1.0" encoding="utf-8"?>
 <p:sld xmlns:a="http://schemas.openxmlformats.org/drawingml/2006/main" xmlns:r="http://schemas.openxmlformats.org/officeDocument/2006/relationships" xmlns:p="http://schemas.openxmlformats.org/presentationml/2006/main">
   <p:cSld>
     <p:spTree>
@@ -6988,8 +7205,8 @@
         </p:blipFill>
         <p:spPr>
           <a:xfrm>
-            <a:off x="568960" y="1197071"/>
-            <a:ext cx="4442847" cy="4830337"/>
+            <a:off x="386490" y="1046954"/>
+            <a:ext cx="4890683" cy="5317232"/>
           </a:xfrm>
         </p:spPr>
       </p:pic>
@@ -7023,6 +7240,98 @@
           </a:prstGeom>
         </p:spPr>
       </p:pic>
+      <p:sp>
+        <p:nvSpPr>
+          <p:cNvPr id="3" name="Arrow: Right 2">
+            <a:extLst>
+              <a:ext uri="{FF2B5EF4-FFF2-40B4-BE49-F238E27FC236}">
+                <a16:creationId xmlns:a16="http://schemas.microsoft.com/office/drawing/2014/main" id="{5128EB3A-A36E-43AB-85CF-4A631F3D2447}"/>
+              </a:ext>
+            </a:extLst>
+          </p:cNvPr>
+          <p:cNvSpPr/>
+          <p:nvPr/>
+        </p:nvSpPr>
+        <p:spPr>
+          <a:xfrm rot="16200000">
+            <a:off x="5610387" y="5920352"/>
+            <a:ext cx="423620" cy="319847"/>
+          </a:xfrm>
+          <a:prstGeom prst="rightArrow">
+            <a:avLst/>
+          </a:prstGeom>
+        </p:spPr>
+        <p:style>
+          <a:lnRef idx="2">
+            <a:schemeClr val="accent1">
+              <a:shade val="50000"/>
+            </a:schemeClr>
+          </a:lnRef>
+          <a:fillRef idx="1">
+            <a:schemeClr val="accent1"/>
+          </a:fillRef>
+          <a:effectRef idx="0">
+            <a:schemeClr val="accent1"/>
+          </a:effectRef>
+          <a:fontRef idx="minor">
+            <a:schemeClr val="lt1"/>
+          </a:fontRef>
+        </p:style>
+        <p:txBody>
+          <a:bodyPr rtlCol="1" anchor="ctr"/>
+          <a:lstStyle/>
+          <a:p>
+            <a:pPr algn="ctr"/>
+            <a:endParaRPr lang="he-IL"/>
+          </a:p>
+        </p:txBody>
+      </p:sp>
+      <p:sp>
+        <p:nvSpPr>
+          <p:cNvPr id="6" name="Arrow: Right 5">
+            <a:extLst>
+              <a:ext uri="{FF2B5EF4-FFF2-40B4-BE49-F238E27FC236}">
+                <a16:creationId xmlns:a16="http://schemas.microsoft.com/office/drawing/2014/main" id="{F456B7F4-4A6D-4841-BA71-1AE9C6D8BE72}"/>
+              </a:ext>
+            </a:extLst>
+          </p:cNvPr>
+          <p:cNvSpPr/>
+          <p:nvPr/>
+        </p:nvSpPr>
+        <p:spPr>
+          <a:xfrm rot="16200000">
+            <a:off x="6543096" y="5920351"/>
+            <a:ext cx="423620" cy="319847"/>
+          </a:xfrm>
+          <a:prstGeom prst="rightArrow">
+            <a:avLst/>
+          </a:prstGeom>
+        </p:spPr>
+        <p:style>
+          <a:lnRef idx="2">
+            <a:schemeClr val="accent1">
+              <a:shade val="50000"/>
+            </a:schemeClr>
+          </a:lnRef>
+          <a:fillRef idx="1">
+            <a:schemeClr val="accent1"/>
+          </a:fillRef>
+          <a:effectRef idx="0">
+            <a:schemeClr val="accent1"/>
+          </a:effectRef>
+          <a:fontRef idx="minor">
+            <a:schemeClr val="lt1"/>
+          </a:fontRef>
+        </p:style>
+        <p:txBody>
+          <a:bodyPr rtlCol="1" anchor="ctr"/>
+          <a:lstStyle/>
+          <a:p>
+            <a:pPr algn="ctr"/>
+            <a:endParaRPr lang="he-IL"/>
+          </a:p>
+        </p:txBody>
+      </p:sp>
     </p:spTree>
     <p:extLst>
       <p:ext uri="{BB962C8B-B14F-4D97-AF65-F5344CB8AC3E}">
@@ -7036,7 +7345,7 @@
 </p:sld>
 </file>
 
-<file path=ppt/slides/slide6.xml><?xml version="1.0" encoding="utf-8"?>
+<file path=ppt/slides/slide7.xml><?xml version="1.0" encoding="utf-8"?>
 <p:sld xmlns:a="http://schemas.openxmlformats.org/drawingml/2006/main" xmlns:r="http://schemas.openxmlformats.org/officeDocument/2006/relationships" xmlns:p="http://schemas.openxmlformats.org/presentationml/2006/main">
   <p:cSld>
     <p:spTree>
@@ -7098,14 +7407,14 @@
             <p:ph sz="half" idx="1"/>
             <p:extLst>
               <p:ext uri="{D42A27DB-BD31-4B8C-83A1-F6EECF244321}">
-                <p14:modId xmlns:p14="http://schemas.microsoft.com/office/powerpoint/2010/main" val="1883854779"/>
+                <p14:modId xmlns:p14="http://schemas.microsoft.com/office/powerpoint/2010/main" val="1032057128"/>
               </p:ext>
             </p:extLst>
           </p:nvPr>
         </p:nvGraphicFramePr>
         <p:xfrm>
-          <a:off x="433952" y="2120899"/>
-          <a:ext cx="5501897" cy="3969152"/>
+          <a:off x="170480" y="2120900"/>
+          <a:ext cx="5594889" cy="3969152"/>
         </p:xfrm>
         <a:graphic>
           <a:graphicData uri="http://schemas.openxmlformats.org/drawingml/2006/table">
@@ -7114,56 +7423,56 @@
                 <a:tableStyleId>{5C22544A-7EE6-4342-B048-85BDC9FD1C3A}</a:tableStyleId>
               </a:tblPr>
               <a:tblGrid>
-                <a:gridCol w="519569">
+                <a:gridCol w="546470">
                   <a:extLst>
                     <a:ext uri="{9D8B030D-6E8A-4147-A177-3AD203B41FA5}">
                       <a16:colId xmlns:a16="http://schemas.microsoft.com/office/drawing/2014/main" val="3084287921"/>
                     </a:ext>
                   </a:extLst>
                 </a:gridCol>
-                <a:gridCol w="929523">
+                <a:gridCol w="1076473">
                   <a:extLst>
                     <a:ext uri="{9D8B030D-6E8A-4147-A177-3AD203B41FA5}">
                       <a16:colId xmlns:a16="http://schemas.microsoft.com/office/drawing/2014/main" val="2965966194"/>
                     </a:ext>
                   </a:extLst>
                 </a:gridCol>
-                <a:gridCol w="614120">
+                <a:gridCol w="547091">
                   <a:extLst>
                     <a:ext uri="{9D8B030D-6E8A-4147-A177-3AD203B41FA5}">
                       <a16:colId xmlns:a16="http://schemas.microsoft.com/office/drawing/2014/main" val="929399704"/>
                     </a:ext>
                   </a:extLst>
                 </a:gridCol>
-                <a:gridCol w="687737">
+                <a:gridCol w="723345">
                   <a:extLst>
                     <a:ext uri="{9D8B030D-6E8A-4147-A177-3AD203B41FA5}">
                       <a16:colId xmlns:a16="http://schemas.microsoft.com/office/drawing/2014/main" val="2550544791"/>
                     </a:ext>
                   </a:extLst>
                 </a:gridCol>
-                <a:gridCol w="687737">
+                <a:gridCol w="723345">
                   <a:extLst>
                     <a:ext uri="{9D8B030D-6E8A-4147-A177-3AD203B41FA5}">
                       <a16:colId xmlns:a16="http://schemas.microsoft.com/office/drawing/2014/main" val="1354465808"/>
                     </a:ext>
                   </a:extLst>
                 </a:gridCol>
-                <a:gridCol w="687737">
+                <a:gridCol w="723345">
                   <a:extLst>
                     <a:ext uri="{9D8B030D-6E8A-4147-A177-3AD203B41FA5}">
                       <a16:colId xmlns:a16="http://schemas.microsoft.com/office/drawing/2014/main" val="535932972"/>
                     </a:ext>
                   </a:extLst>
                 </a:gridCol>
-                <a:gridCol w="687737">
+                <a:gridCol w="660568">
                   <a:extLst>
                     <a:ext uri="{9D8B030D-6E8A-4147-A177-3AD203B41FA5}">
                       <a16:colId xmlns:a16="http://schemas.microsoft.com/office/drawing/2014/main" val="2632653017"/>
                     </a:ext>
                   </a:extLst>
                 </a:gridCol>
-                <a:gridCol w="687737">
+                <a:gridCol w="594252">
                   <a:extLst>
                     <a:ext uri="{9D8B030D-6E8A-4147-A177-3AD203B41FA5}">
                       <a16:colId xmlns:a16="http://schemas.microsoft.com/office/drawing/2014/main" val="2903081770"/>
@@ -8405,14 +8714,14 @@
           <p:nvPr>
             <p:extLst>
               <p:ext uri="{D42A27DB-BD31-4B8C-83A1-F6EECF244321}">
-                <p14:modId xmlns:p14="http://schemas.microsoft.com/office/powerpoint/2010/main" val="609558616"/>
+                <p14:modId xmlns:p14="http://schemas.microsoft.com/office/powerpoint/2010/main" val="2024842714"/>
               </p:ext>
             </p:extLst>
           </p:nvPr>
         </p:nvGraphicFramePr>
         <p:xfrm>
-          <a:off x="6454775" y="2120900"/>
-          <a:ext cx="5006224" cy="3969151"/>
+          <a:off x="6300061" y="2120900"/>
+          <a:ext cx="5160932" cy="3969151"/>
         </p:xfrm>
         <a:graphic>
           <a:graphicData uri="http://schemas.openxmlformats.org/drawingml/2006/table">
@@ -8421,56 +8730,56 @@
                 <a:tableStyleId>{5C22544A-7EE6-4342-B048-85BDC9FD1C3A}</a:tableStyleId>
               </a:tblPr>
               <a:tblGrid>
-                <a:gridCol w="627781">
+                <a:gridCol w="663597">
                   <a:extLst>
                     <a:ext uri="{9D8B030D-6E8A-4147-A177-3AD203B41FA5}">
                       <a16:colId xmlns:a16="http://schemas.microsoft.com/office/drawing/2014/main" val="3084287921"/>
                     </a:ext>
                   </a:extLst>
                 </a:gridCol>
-                <a:gridCol w="627781">
+                <a:gridCol w="663597">
                   <a:extLst>
                     <a:ext uri="{9D8B030D-6E8A-4147-A177-3AD203B41FA5}">
                       <a16:colId xmlns:a16="http://schemas.microsoft.com/office/drawing/2014/main" val="2965966194"/>
                     </a:ext>
                   </a:extLst>
                 </a:gridCol>
-                <a:gridCol w="627781">
+                <a:gridCol w="663597">
                   <a:extLst>
                     <a:ext uri="{9D8B030D-6E8A-4147-A177-3AD203B41FA5}">
                       <a16:colId xmlns:a16="http://schemas.microsoft.com/office/drawing/2014/main" val="929399704"/>
                     </a:ext>
                   </a:extLst>
                 </a:gridCol>
-                <a:gridCol w="627781">
+                <a:gridCol w="663597">
                   <a:extLst>
                     <a:ext uri="{9D8B030D-6E8A-4147-A177-3AD203B41FA5}">
                       <a16:colId xmlns:a16="http://schemas.microsoft.com/office/drawing/2014/main" val="2550544791"/>
                     </a:ext>
                   </a:extLst>
                 </a:gridCol>
-                <a:gridCol w="627781">
+                <a:gridCol w="663597">
                   <a:extLst>
                     <a:ext uri="{9D8B030D-6E8A-4147-A177-3AD203B41FA5}">
                       <a16:colId xmlns:a16="http://schemas.microsoft.com/office/drawing/2014/main" val="1354465808"/>
                     </a:ext>
                   </a:extLst>
                 </a:gridCol>
-                <a:gridCol w="627781">
+                <a:gridCol w="663597">
                   <a:extLst>
                     <a:ext uri="{9D8B030D-6E8A-4147-A177-3AD203B41FA5}">
                       <a16:colId xmlns:a16="http://schemas.microsoft.com/office/drawing/2014/main" val="535932972"/>
                     </a:ext>
                   </a:extLst>
                 </a:gridCol>
-                <a:gridCol w="627781">
+                <a:gridCol w="663597">
                   <a:extLst>
                     <a:ext uri="{9D8B030D-6E8A-4147-A177-3AD203B41FA5}">
                       <a16:colId xmlns:a16="http://schemas.microsoft.com/office/drawing/2014/main" val="2632653017"/>
                     </a:ext>
                   </a:extLst>
                 </a:gridCol>
-                <a:gridCol w="611757">
+                <a:gridCol w="515753">
                   <a:extLst>
                     <a:ext uri="{9D8B030D-6E8A-4147-A177-3AD203B41FA5}">
                       <a16:colId xmlns:a16="http://schemas.microsoft.com/office/drawing/2014/main" val="2903081770"/>
@@ -10123,24 +10432,6 @@
 </file>
 
 <file path=customXml/item1.xml><?xml version="1.0" encoding="utf-8"?>
-<p:properties xmlns:p="http://schemas.microsoft.com/office/2006/metadata/properties" xmlns:xsi="http://www.w3.org/2001/XMLSchema-instance" xmlns:pc="http://schemas.microsoft.com/office/infopath/2007/PartnerControls">
-  <documentManagement>
-    <Status xmlns="71af3243-3dd4-4a8d-8c0d-dd76da1f02a5">Not started</Status>
-    <MediaServiceKeyPoints xmlns="71af3243-3dd4-4a8d-8c0d-dd76da1f02a5" xsi:nil="true"/>
-  </documentManagement>
-</p:properties>
-</file>
-
-<file path=customXml/item2.xml><?xml version="1.0" encoding="utf-8"?>
-<?mso-contentType ?>
-<FormTemplates xmlns="http://schemas.microsoft.com/sharepoint/v3/contenttype/forms">
-  <Display>DocumentLibraryForm</Display>
-  <Edit>DocumentLibraryForm</Edit>
-  <New>DocumentLibraryForm</New>
-</FormTemplates>
-</file>
-
-<file path=customXml/item3.xml><?xml version="1.0" encoding="utf-8"?>
 <ct:contentTypeSchema xmlns:ct="http://schemas.microsoft.com/office/2006/metadata/contentType" xmlns:ma="http://schemas.microsoft.com/office/2006/metadata/properties/metaAttributes" ct:_="" ma:_="" ma:contentTypeName="Document" ma:contentTypeID="0x01010079F111ED35F8CC479449609E8A0923A6" ma:contentTypeVersion="12" ma:contentTypeDescription="Create a new document." ma:contentTypeScope="" ma:versionID="a410dd7f93c95333ffa1b60ed6adedd1">
   <xsd:schema xmlns:xsd="http://www.w3.org/2001/XMLSchema" xmlns:xs="http://www.w3.org/2001/XMLSchema" xmlns:p="http://schemas.microsoft.com/office/2006/metadata/properties" xmlns:ns2="71af3243-3dd4-4a8d-8c0d-dd76da1f02a5" xmlns:ns3="16c05727-aa75-4e4a-9b5f-8a80a1165891" targetNamespace="http://schemas.microsoft.com/office/2006/metadata/properties" ma:root="true" ma:fieldsID="a936d9baba76aa3866493feff160faab" ns2:_="" ns3:_="">
     <xsd:import namespace="71af3243-3dd4-4a8d-8c0d-dd76da1f02a5"/>
@@ -10361,25 +10652,25 @@
 </ct:contentTypeSchema>
 </file>
 
-<file path=customXml/itemProps1.xml><?xml version="1.0" encoding="utf-8"?>
-<ds:datastoreItem xmlns:ds="http://schemas.openxmlformats.org/officeDocument/2006/customXml" ds:itemID="{A03EEFF0-FB57-4CB4-8BFC-DF397689E2ED}">
-  <ds:schemaRefs>
-    <ds:schemaRef ds:uri="http://schemas.microsoft.com/office/2006/metadata/properties"/>
-    <ds:schemaRef ds:uri="http://schemas.microsoft.com/office/infopath/2007/PartnerControls"/>
-    <ds:schemaRef ds:uri="71af3243-3dd4-4a8d-8c0d-dd76da1f02a5"/>
-  </ds:schemaRefs>
-</ds:datastoreItem>
+<file path=customXml/item2.xml><?xml version="1.0" encoding="utf-8"?>
+<?mso-contentType ?>
+<FormTemplates xmlns="http://schemas.microsoft.com/sharepoint/v3/contenttype/forms">
+  <Display>DocumentLibraryForm</Display>
+  <Edit>DocumentLibraryForm</Edit>
+  <New>DocumentLibraryForm</New>
+</FormTemplates>
 </file>
 
-<file path=customXml/itemProps2.xml><?xml version="1.0" encoding="utf-8"?>
-<ds:datastoreItem xmlns:ds="http://schemas.openxmlformats.org/officeDocument/2006/customXml" ds:itemID="{AA3F7EDC-E5B4-4BBC-9D2A-CBE6D46C37AD}">
-  <ds:schemaRefs>
-    <ds:schemaRef ds:uri="http://schemas.microsoft.com/sharepoint/v3/contenttype/forms"/>
-  </ds:schemaRefs>
-</ds:datastoreItem>
+<file path=customXml/item3.xml><?xml version="1.0" encoding="utf-8"?>
+<p:properties xmlns:p="http://schemas.microsoft.com/office/2006/metadata/properties" xmlns:xsi="http://www.w3.org/2001/XMLSchema-instance" xmlns:pc="http://schemas.microsoft.com/office/infopath/2007/PartnerControls">
+  <documentManagement>
+    <Status xmlns="71af3243-3dd4-4a8d-8c0d-dd76da1f02a5">Not started</Status>
+    <MediaServiceKeyPoints xmlns="71af3243-3dd4-4a8d-8c0d-dd76da1f02a5" xsi:nil="true"/>
+  </documentManagement>
+</p:properties>
 </file>
 
-<file path=customXml/itemProps3.xml><?xml version="1.0" encoding="utf-8"?>
+<file path=customXml/itemProps1.xml><?xml version="1.0" encoding="utf-8"?>
 <ds:datastoreItem xmlns:ds="http://schemas.openxmlformats.org/officeDocument/2006/customXml" ds:itemID="{93932EF5-314F-409E-8020-FEE5FA0795B9}">
   <ds:schemaRefs>
     <ds:schemaRef ds:uri="http://schemas.microsoft.com/office/2006/metadata/contentType"/>
@@ -10396,4 +10687,22 @@
     <ds:schemaRef ds:uri="http://schemas.microsoft.com/internal/obd"/>
   </ds:schemaRefs>
 </ds:datastoreItem>
+</file>
+
+<file path=customXml/itemProps2.xml><?xml version="1.0" encoding="utf-8"?>
+<ds:datastoreItem xmlns:ds="http://schemas.openxmlformats.org/officeDocument/2006/customXml" ds:itemID="{AA3F7EDC-E5B4-4BBC-9D2A-CBE6D46C37AD}">
+  <ds:schemaRefs>
+    <ds:schemaRef ds:uri="http://schemas.microsoft.com/sharepoint/v3/contenttype/forms"/>
+  </ds:schemaRefs>
+</ds:datastoreItem>
+</file>
+
+<file path=customXml/itemProps3.xml><?xml version="1.0" encoding="utf-8"?>
+<ds:datastoreItem xmlns:ds="http://schemas.openxmlformats.org/officeDocument/2006/customXml" ds:itemID="{A03EEFF0-FB57-4CB4-8BFC-DF397689E2ED}">
+  <ds:schemaRefs>
+    <ds:schemaRef ds:uri="http://schemas.microsoft.com/office/2006/metadata/properties"/>
+    <ds:schemaRef ds:uri="http://schemas.microsoft.com/office/infopath/2007/PartnerControls"/>
+    <ds:schemaRef ds:uri="71af3243-3dd4-4a8d-8c0d-dd76da1f02a5"/>
+  </ds:schemaRefs>
+</ds:datastoreItem>
 </file>